--- a/Offline/BusinessManagement/Teach_Tech@anodiam/AI_Robotics/010101ML/AnodiamMaterials/01Intro.pptx
+++ b/Offline/BusinessManagement/Teach_Tech@anodiam/AI_Robotics/010101ML/AnodiamMaterials/01Intro.pptx
@@ -5,12 +5,14 @@
     <p:sldMasterId id="2147483648" r:id="rId1"/>
   </p:sldMasterIdLst>
   <p:notesMasterIdLst>
-    <p:notesMasterId r:id="rId5"/>
+    <p:notesMasterId r:id="rId7"/>
   </p:notesMasterIdLst>
   <p:sldIdLst>
     <p:sldId id="256" r:id="rId2"/>
-    <p:sldId id="257" r:id="rId3"/>
-    <p:sldId id="258" r:id="rId4"/>
+    <p:sldId id="258" r:id="rId3"/>
+    <p:sldId id="259" r:id="rId4"/>
+    <p:sldId id="260" r:id="rId5"/>
+    <p:sldId id="261" r:id="rId6"/>
   </p:sldIdLst>
   <p:sldSz cx="12192000" cy="6858000"/>
   <p:notesSz cx="6858000" cy="9144000"/>
@@ -109,6 +111,11 @@
       </a:defRPr>
     </a:lvl9pPr>
   </p:defaultTextStyle>
+  <p:extLst>
+    <p:ext uri="{EFAFB233-063F-42B5-8137-9DF3F51BA10A}">
+      <p15:sldGuideLst xmlns:p15="http://schemas.microsoft.com/office/powerpoint/2012/main"/>
+    </p:ext>
+  </p:extLst>
 </p:presentation>
 </file>
 
@@ -194,7 +201,7 @@
           <a:p>
             <a:fld id="{DC652D4E-7A76-4DAA-BA45-F980F811AFE1}" type="datetimeFigureOut">
               <a:rPr lang="en-US" smtClean="0"/>
-              <a:t>11/19/2023</a:t>
+              <a:t>11/20/2023</a:t>
             </a:fld>
             <a:endParaRPr lang="en-US"/>
           </a:p>
@@ -608,7 +615,7 @@
           <a:p>
             <a:fld id="{F05C6F69-AE3B-42B8-B964-1AC945A2EB3A}" type="datetime1">
               <a:rPr lang="en-US" smtClean="0"/>
-              <a:t>11/19/2023</a:t>
+              <a:t>11/20/2023</a:t>
             </a:fld>
             <a:endParaRPr lang="en-US"/>
           </a:p>
@@ -809,7 +816,7 @@
           <a:p>
             <a:fld id="{321E391B-1B65-4C4D-AE54-65EB5984F3B5}" type="datetime1">
               <a:rPr lang="en-US" smtClean="0"/>
-              <a:t>11/19/2023</a:t>
+              <a:t>11/20/2023</a:t>
             </a:fld>
             <a:endParaRPr lang="en-US"/>
           </a:p>
@@ -1020,7 +1027,7 @@
           <a:p>
             <a:fld id="{AD4666D1-40F4-4294-84EB-8B34F977BEDD}" type="datetime1">
               <a:rPr lang="en-US" smtClean="0"/>
-              <a:t>11/19/2023</a:t>
+              <a:t>11/20/2023</a:t>
             </a:fld>
             <a:endParaRPr lang="en-US"/>
           </a:p>
@@ -1221,7 +1228,7 @@
           <a:p>
             <a:fld id="{C8222323-6214-4B42-BAE0-007BD9A19355}" type="datetime1">
               <a:rPr lang="en-US" smtClean="0"/>
-              <a:t>11/19/2023</a:t>
+              <a:t>11/20/2023</a:t>
             </a:fld>
             <a:endParaRPr lang="en-US"/>
           </a:p>
@@ -1499,7 +1506,7 @@
           <a:p>
             <a:fld id="{3B1F14DC-7350-4B51-A7BB-E66CDE673EBB}" type="datetime1">
               <a:rPr lang="en-US" smtClean="0"/>
-              <a:t>11/19/2023</a:t>
+              <a:t>11/20/2023</a:t>
             </a:fld>
             <a:endParaRPr lang="en-US"/>
           </a:p>
@@ -1767,7 +1774,7 @@
           <a:p>
             <a:fld id="{F13DFD30-D348-43F3-90C6-07B923386CCA}" type="datetime1">
               <a:rPr lang="en-US" smtClean="0"/>
-              <a:t>11/19/2023</a:t>
+              <a:t>11/20/2023</a:t>
             </a:fld>
             <a:endParaRPr lang="en-US"/>
           </a:p>
@@ -2182,7 +2189,7 @@
           <a:p>
             <a:fld id="{F4E60E5C-8F76-4EF9-8803-2A3F4D826654}" type="datetime1">
               <a:rPr lang="en-US" smtClean="0"/>
-              <a:t>11/19/2023</a:t>
+              <a:t>11/20/2023</a:t>
             </a:fld>
             <a:endParaRPr lang="en-US"/>
           </a:p>
@@ -2326,7 +2333,7 @@
           <a:p>
             <a:fld id="{7819CB9B-9BCC-4C6B-8827-E324D6FA3CC9}" type="datetime1">
               <a:rPr lang="en-US" smtClean="0"/>
-              <a:t>11/19/2023</a:t>
+              <a:t>11/20/2023</a:t>
             </a:fld>
             <a:endParaRPr lang="en-US"/>
           </a:p>
@@ -2442,7 +2449,7 @@
           <a:p>
             <a:fld id="{E5C3345E-B06E-4AAD-BD44-346CBFABA687}" type="datetime1">
               <a:rPr lang="en-US" smtClean="0"/>
-              <a:t>11/19/2023</a:t>
+              <a:t>11/20/2023</a:t>
             </a:fld>
             <a:endParaRPr lang="en-US"/>
           </a:p>
@@ -2756,7 +2763,7 @@
           <a:p>
             <a:fld id="{A35D4B66-C150-4574-BD0B-464849CDA187}" type="datetime1">
               <a:rPr lang="en-US" smtClean="0"/>
-              <a:t>11/19/2023</a:t>
+              <a:t>11/20/2023</a:t>
             </a:fld>
             <a:endParaRPr lang="en-US"/>
           </a:p>
@@ -3047,7 +3054,7 @@
           <a:p>
             <a:fld id="{4B7807B5-D7FD-411A-AAA3-488E51863450}" type="datetime1">
               <a:rPr lang="en-US" smtClean="0"/>
-              <a:t>11/19/2023</a:t>
+              <a:t>11/20/2023</a:t>
             </a:fld>
             <a:endParaRPr lang="en-US"/>
           </a:p>
@@ -3291,7 +3298,7 @@
           <a:p>
             <a:fld id="{D74B3C0E-C9E7-456C-BF16-29CCB0A32984}" type="datetime1">
               <a:rPr lang="en-US" smtClean="0"/>
-              <a:t>11/19/2023</a:t>
+              <a:t>11/20/2023</a:t>
             </a:fld>
             <a:endParaRPr lang="en-US"/>
           </a:p>
@@ -3831,7 +3838,7 @@
                 </a:solidFill>
                 <a:latin typeface="Oxygen" panose="02000503000000000000" pitchFamily="2" charset="0"/>
               </a:rPr>
-              <a:t>A Brave New World</a:t>
+              <a:t>What is AI?</a:t>
             </a:r>
           </a:p>
         </p:txBody>
@@ -4300,8 +4307,8 @@
         </p:nvSpPr>
         <p:spPr>
           <a:xfrm>
-            <a:off x="3047338" y="2411350"/>
-            <a:ext cx="7901608" cy="2585323"/>
+            <a:off x="889592" y="3445814"/>
+            <a:ext cx="7315531" cy="2923877"/>
           </a:xfrm>
           <a:prstGeom prst="rect">
             <a:avLst/>
@@ -4314,105 +4321,634 @@
           </a:bodyPr>
           <a:lstStyle/>
           <a:p>
-            <a:r>
-              <a:rPr lang="en-US" dirty="0"/>
-              <a:t>Birth of AI: 1950-1956</a:t>
-            </a:r>
-          </a:p>
-          <a:p>
-            <a:r>
-              <a:rPr lang="en-US" dirty="0"/>
-              <a:t>1950: Alan Turing - Computer Machinery &amp; Intelligence</a:t>
-            </a:r>
-          </a:p>
-          <a:p>
-            <a:r>
-              <a:rPr lang="en-US" dirty="0"/>
-              <a:t>1952: Arthur Samuel - program to play checkers</a:t>
-            </a:r>
-          </a:p>
-          <a:p>
-            <a:r>
-              <a:rPr lang="en-US" b="1" i="0" dirty="0">
+            <a:pPr>
+              <a:lnSpc>
+                <a:spcPct val="150000"/>
+              </a:lnSpc>
+            </a:pPr>
+            <a:r>
+              <a:rPr lang="en-US" sz="1600" b="1" dirty="0">
                 <a:solidFill>
-                  <a:srgbClr val="333333"/>
+                  <a:schemeClr val="tx1">
+                    <a:lumMod val="65000"/>
+                    <a:lumOff val="35000"/>
+                  </a:schemeClr>
+                </a:solidFill>
+                <a:latin typeface="Oxygen" panose="02000503000000000000" pitchFamily="2" charset="0"/>
+              </a:rPr>
+              <a:t>1950 - 1956: Birth of AI</a:t>
+            </a:r>
+          </a:p>
+          <a:p>
+            <a:pPr marL="285750" indent="-285750">
+              <a:buFont typeface="Arial" panose="020B0604020202020204" pitchFamily="34" charset="0"/>
+              <a:buChar char="•"/>
+            </a:pPr>
+            <a:r>
+              <a:rPr lang="en-US" sz="1400" dirty="0">
+                <a:solidFill>
+                  <a:schemeClr val="tx1">
+                    <a:lumMod val="65000"/>
+                    <a:lumOff val="35000"/>
+                  </a:schemeClr>
+                </a:solidFill>
+                <a:latin typeface="Oxygen" panose="02000503000000000000" pitchFamily="2" charset="0"/>
+              </a:rPr>
+              <a:t>Alan Turing</a:t>
+            </a:r>
+          </a:p>
+          <a:p>
+            <a:pPr marL="285750" indent="-285750">
+              <a:buFont typeface="Arial" panose="020B0604020202020204" pitchFamily="34" charset="0"/>
+              <a:buChar char="•"/>
+            </a:pPr>
+            <a:r>
+              <a:rPr lang="en-US" sz="1400" dirty="0">
+                <a:solidFill>
+                  <a:schemeClr val="tx1">
+                    <a:lumMod val="65000"/>
+                    <a:lumOff val="35000"/>
+                  </a:schemeClr>
+                </a:solidFill>
+                <a:latin typeface="Oxygen" panose="02000503000000000000" pitchFamily="2" charset="0"/>
+              </a:rPr>
+              <a:t>Arthur Samuel – prog to play checkers</a:t>
+            </a:r>
+          </a:p>
+          <a:p>
+            <a:pPr marL="285750" indent="-285750">
+              <a:buFont typeface="Arial" panose="020B0604020202020204" pitchFamily="34" charset="0"/>
+              <a:buChar char="•"/>
+            </a:pPr>
+            <a:r>
+              <a:rPr lang="en-US" sz="1400" i="0" dirty="0">
+                <a:solidFill>
+                  <a:schemeClr val="tx1">
+                    <a:lumMod val="65000"/>
+                    <a:lumOff val="35000"/>
+                  </a:schemeClr>
                 </a:solidFill>
                 <a:effectLst/>
-                <a:latin typeface="Salesforce Sans"/>
+                <a:latin typeface="Oxygen" panose="02000503000000000000" pitchFamily="2" charset="0"/>
               </a:rPr>
-              <a:t>1955: </a:t>
-            </a:r>
-            <a:r>
-              <a:rPr lang="en-US" b="0" i="0" dirty="0">
+              <a:t>John McCarthy - workshop </a:t>
+            </a:r>
+            <a:r>
+              <a:rPr lang="en-US" sz="1400" dirty="0">
                 <a:solidFill>
-                  <a:srgbClr val="0B5CAB"/>
+                  <a:schemeClr val="tx1">
+                    <a:lumMod val="65000"/>
+                    <a:lumOff val="35000"/>
+                  </a:schemeClr>
+                </a:solidFill>
+                <a:latin typeface="Oxygen" panose="02000503000000000000" pitchFamily="2" charset="0"/>
+              </a:rPr>
+              <a:t>on</a:t>
+            </a:r>
+            <a:r>
+              <a:rPr lang="en-US" sz="1400" i="0" dirty="0">
+                <a:solidFill>
+                  <a:schemeClr val="tx1">
+                    <a:lumMod val="65000"/>
+                    <a:lumOff val="35000"/>
+                  </a:schemeClr>
                 </a:solidFill>
                 <a:effectLst/>
-                <a:latin typeface="Salesforce Sans"/>
+                <a:latin typeface="Oxygen" panose="02000503000000000000" pitchFamily="2" charset="0"/>
               </a:rPr>
-              <a:t>John McCarthy</a:t>
-            </a:r>
-            <a:r>
-              <a:rPr lang="en-US" b="0" i="0" dirty="0">
+              <a:t> AI</a:t>
+            </a:r>
+            <a:endParaRPr lang="en-US" sz="1600" i="0" dirty="0">
+              <a:solidFill>
+                <a:schemeClr val="tx1">
+                  <a:lumMod val="65000"/>
+                  <a:lumOff val="35000"/>
+                </a:schemeClr>
+              </a:solidFill>
+              <a:effectLst/>
+              <a:latin typeface="Oxygen" panose="02000503000000000000" pitchFamily="2" charset="0"/>
+            </a:endParaRPr>
+          </a:p>
+          <a:p>
+            <a:pPr>
+              <a:lnSpc>
+                <a:spcPct val="150000"/>
+              </a:lnSpc>
+            </a:pPr>
+            <a:r>
+              <a:rPr lang="en-US" sz="1600" b="1" i="0" dirty="0">
                 <a:solidFill>
-                  <a:srgbClr val="333333"/>
+                  <a:schemeClr val="tx1">
+                    <a:lumMod val="65000"/>
+                    <a:lumOff val="35000"/>
+                  </a:schemeClr>
                 </a:solidFill>
                 <a:effectLst/>
-                <a:latin typeface="Salesforce Sans"/>
+                <a:latin typeface="Oxygen" panose="02000503000000000000" pitchFamily="2" charset="0"/>
               </a:rPr>
-              <a:t> - workshop at Dartmouth on “artificial intelligence”</a:t>
-            </a:r>
-          </a:p>
-          <a:p>
-            <a:r>
-              <a:rPr lang="en-US" b="0" i="0" dirty="0">
+              <a:t>1957 - 2011</a:t>
+            </a:r>
+          </a:p>
+          <a:p>
+            <a:pPr marL="285750" indent="-285750">
+              <a:buFont typeface="Arial" panose="020B0604020202020204" pitchFamily="34" charset="0"/>
+              <a:buChar char="•"/>
+            </a:pPr>
+            <a:r>
+              <a:rPr lang="en-US" sz="1400" i="0" dirty="0">
                 <a:solidFill>
-                  <a:srgbClr val="032D60"/>
+                  <a:schemeClr val="tx1">
+                    <a:lumMod val="65000"/>
+                    <a:lumOff val="35000"/>
+                  </a:schemeClr>
                 </a:solidFill>
                 <a:effectLst/>
-                <a:latin typeface="Avant Garde"/>
+                <a:latin typeface="Oxygen" panose="02000503000000000000" pitchFamily="2" charset="0"/>
               </a:rPr>
-              <a:t>AI maturation: 1957-1979</a:t>
-            </a:r>
-          </a:p>
-          <a:p>
-            <a:r>
-              <a:rPr lang="en-US" b="0" i="0" dirty="0">
+              <a:t>AI boom</a:t>
+            </a:r>
+            <a:r>
+              <a:rPr lang="en-US" sz="1400" dirty="0">
                 <a:solidFill>
-                  <a:srgbClr val="032D60"/>
+                  <a:schemeClr val="tx1">
+                    <a:lumMod val="65000"/>
+                    <a:lumOff val="35000"/>
+                  </a:schemeClr>
+                </a:solidFill>
+                <a:latin typeface="Oxygen" panose="02000503000000000000" pitchFamily="2" charset="0"/>
+              </a:rPr>
+              <a:t> &amp;</a:t>
+            </a:r>
+            <a:r>
+              <a:rPr lang="en-US" sz="1400" i="0" dirty="0">
+                <a:solidFill>
+                  <a:schemeClr val="tx1">
+                    <a:lumMod val="65000"/>
+                    <a:lumOff val="35000"/>
+                  </a:schemeClr>
                 </a:solidFill>
                 <a:effectLst/>
-                <a:latin typeface="Avant Garde"/>
+                <a:latin typeface="Oxygen" panose="02000503000000000000" pitchFamily="2" charset="0"/>
               </a:rPr>
-              <a:t>AI boom: 1980-1987</a:t>
-            </a:r>
-          </a:p>
-          <a:p>
-            <a:r>
-              <a:rPr lang="en-US" b="0" i="0" dirty="0">
+              <a:t> winter</a:t>
+            </a:r>
+          </a:p>
+          <a:p>
+            <a:pPr marL="285750" indent="-285750">
+              <a:buFont typeface="Arial" panose="020B0604020202020204" pitchFamily="34" charset="0"/>
+              <a:buChar char="•"/>
+            </a:pPr>
+            <a:r>
+              <a:rPr lang="en-US" sz="1400" i="0" dirty="0">
                 <a:solidFill>
-                  <a:srgbClr val="032D60"/>
+                  <a:schemeClr val="tx1">
+                    <a:lumMod val="65000"/>
+                    <a:lumOff val="35000"/>
+                  </a:schemeClr>
                 </a:solidFill>
                 <a:effectLst/>
-                <a:latin typeface="Avant Garde"/>
+                <a:latin typeface="Oxygen" panose="02000503000000000000" pitchFamily="2" charset="0"/>
               </a:rPr>
-              <a:t>AI winter: 1987-1993</a:t>
-            </a:r>
-          </a:p>
-          <a:p>
-            <a:r>
-              <a:rPr lang="en-US" b="0" i="0">
+              <a:t>1993-2011: IBM Deep Blue (chess) to Apple Siri</a:t>
+            </a:r>
+          </a:p>
+          <a:p>
+            <a:pPr>
+              <a:lnSpc>
+                <a:spcPct val="150000"/>
+              </a:lnSpc>
+            </a:pPr>
+            <a:r>
+              <a:rPr lang="en-US" sz="1600" b="1" dirty="0">
                 <a:solidFill>
-                  <a:srgbClr val="032D60"/>
+                  <a:schemeClr val="tx1">
+                    <a:lumMod val="65000"/>
+                    <a:lumOff val="35000"/>
+                  </a:schemeClr>
+                </a:solidFill>
+                <a:latin typeface="Oxygen" panose="02000503000000000000" pitchFamily="2" charset="0"/>
+              </a:rPr>
+              <a:t>2012 onwards</a:t>
+            </a:r>
+          </a:p>
+          <a:p>
+            <a:pPr marL="285750" indent="-285750">
+              <a:buFont typeface="Arial" panose="020B0604020202020204" pitchFamily="34" charset="0"/>
+              <a:buChar char="•"/>
+            </a:pPr>
+            <a:r>
+              <a:rPr lang="en-US" sz="1400" dirty="0">
+                <a:solidFill>
+                  <a:schemeClr val="tx1">
+                    <a:lumMod val="65000"/>
+                    <a:lumOff val="35000"/>
+                  </a:schemeClr>
+                </a:solidFill>
+                <a:latin typeface="Oxygen" panose="02000503000000000000" pitchFamily="2" charset="0"/>
+              </a:rPr>
+              <a:t>2012:  Jeff Dean &amp; Andrew Ng from Google trained neural network to recognize cats</a:t>
+            </a:r>
+          </a:p>
+          <a:p>
+            <a:pPr marL="285750" indent="-285750">
+              <a:buFont typeface="Arial" panose="020B0604020202020204" pitchFamily="34" charset="0"/>
+              <a:buChar char="•"/>
+            </a:pPr>
+            <a:r>
+              <a:rPr lang="en-US" sz="1400" dirty="0">
+                <a:solidFill>
+                  <a:schemeClr val="tx1">
+                    <a:lumMod val="65000"/>
+                    <a:lumOff val="35000"/>
+                  </a:schemeClr>
+                </a:solidFill>
+                <a:latin typeface="Oxygen" panose="02000503000000000000" pitchFamily="2" charset="0"/>
+              </a:rPr>
+              <a:t>2015: Elon Musk, Stephen Hawking and others demilitarized AI</a:t>
+            </a:r>
+          </a:p>
+          <a:p>
+            <a:pPr marL="285750" indent="-285750">
+              <a:buFont typeface="Arial" panose="020B0604020202020204" pitchFamily="34" charset="0"/>
+              <a:buChar char="•"/>
+            </a:pPr>
+            <a:r>
+              <a:rPr lang="en-US" sz="1400" dirty="0">
+                <a:solidFill>
+                  <a:schemeClr val="tx1">
+                    <a:lumMod val="65000"/>
+                    <a:lumOff val="35000"/>
+                  </a:schemeClr>
+                </a:solidFill>
+                <a:latin typeface="Oxygen" panose="02000503000000000000" pitchFamily="2" charset="0"/>
+              </a:rPr>
+              <a:t>Hanson Robotics,  Meta, Alphabet, Alibaba, OpenAI etc.</a:t>
+            </a:r>
+          </a:p>
+        </p:txBody>
+      </p:sp>
+      <p:sp>
+        <p:nvSpPr>
+          <p:cNvPr id="3" name="TextBox 2">
+            <a:extLst>
+              <a:ext uri="{FF2B5EF4-FFF2-40B4-BE49-F238E27FC236}">
+                <a16:creationId xmlns:a16="http://schemas.microsoft.com/office/drawing/2014/main" id="{81B5EA80-A912-759B-77DE-F4422244BD6A}"/>
+              </a:ext>
+            </a:extLst>
+          </p:cNvPr>
+          <p:cNvSpPr txBox="1"/>
+          <p:nvPr/>
+        </p:nvSpPr>
+        <p:spPr>
+          <a:xfrm>
+            <a:off x="966574" y="930874"/>
+            <a:ext cx="10410086" cy="584775"/>
+          </a:xfrm>
+          <a:prstGeom prst="rect">
+            <a:avLst/>
+          </a:prstGeom>
+          <a:noFill/>
+        </p:spPr>
+        <p:txBody>
+          <a:bodyPr wrap="square">
+            <a:spAutoFit/>
+          </a:bodyPr>
+          <a:lstStyle/>
+          <a:p>
+            <a:r>
+              <a:rPr lang="en-US" sz="1600" b="1" i="0" dirty="0">
+                <a:solidFill>
+                  <a:srgbClr val="5F6368"/>
                 </a:solidFill>
                 <a:effectLst/>
-                <a:latin typeface="Avant Garde"/>
+                <a:latin typeface="Oxygen" panose="02000503000000000000" pitchFamily="2" charset="0"/>
               </a:rPr>
-              <a:t>AI agents: 1993-2011: IBM Deep Blue to Apple Siri</a:t>
-            </a:r>
-          </a:p>
-          <a:p>
-            <a:endParaRPr lang="en-US" dirty="0"/>
+              <a:t>AI</a:t>
+            </a:r>
+            <a:r>
+              <a:rPr lang="en-US" sz="1600" b="1" dirty="0">
+                <a:solidFill>
+                  <a:srgbClr val="4D5156"/>
+                </a:solidFill>
+                <a:latin typeface="Oxygen" panose="02000503000000000000" pitchFamily="2" charset="0"/>
+              </a:rPr>
+              <a:t>:</a:t>
+            </a:r>
+            <a:r>
+              <a:rPr lang="en-US" sz="1600" dirty="0">
+                <a:solidFill>
+                  <a:srgbClr val="4D5156"/>
+                </a:solidFill>
+                <a:latin typeface="Oxygen" panose="02000503000000000000" pitchFamily="2" charset="0"/>
+              </a:rPr>
+              <a:t> </a:t>
+            </a:r>
+            <a:r>
+              <a:rPr lang="en-US" sz="1600" b="0" i="0" dirty="0">
+                <a:solidFill>
+                  <a:srgbClr val="4D5156"/>
+                </a:solidFill>
+                <a:effectLst/>
+                <a:latin typeface="Oxygen" panose="02000503000000000000" pitchFamily="2" charset="0"/>
+              </a:rPr>
+              <a:t>simulation of human intelligence by machines</a:t>
+            </a:r>
+          </a:p>
+          <a:p>
+            <a:r>
+              <a:rPr lang="en-US" sz="1600" b="1" i="0" dirty="0">
+                <a:solidFill>
+                  <a:srgbClr val="4D5156"/>
+                </a:solidFill>
+                <a:effectLst/>
+                <a:latin typeface="Oxygen" panose="02000503000000000000" pitchFamily="2" charset="0"/>
+              </a:rPr>
+              <a:t>ML:</a:t>
+            </a:r>
+            <a:r>
+              <a:rPr lang="en-US" sz="1600" b="0" i="0" dirty="0">
+                <a:solidFill>
+                  <a:srgbClr val="4D5156"/>
+                </a:solidFill>
+                <a:effectLst/>
+                <a:latin typeface="Oxygen" panose="02000503000000000000" pitchFamily="2" charset="0"/>
+              </a:rPr>
+              <a:t> Computer systems need to be trained (not programmed ) for a job. </a:t>
+            </a:r>
+            <a:r>
+              <a:rPr lang="en-US" sz="1600" dirty="0">
+                <a:solidFill>
+                  <a:schemeClr val="tx1">
+                    <a:lumMod val="65000"/>
+                    <a:lumOff val="35000"/>
+                  </a:schemeClr>
+                </a:solidFill>
+                <a:latin typeface="Oxygen" panose="02000503000000000000" pitchFamily="2" charset="0"/>
+              </a:rPr>
+              <a:t>Performance improves with experience</a:t>
+            </a:r>
+            <a:r>
+              <a:rPr lang="en-US" sz="1600" b="0" i="0" dirty="0">
+                <a:solidFill>
+                  <a:srgbClr val="4D5156"/>
+                </a:solidFill>
+                <a:effectLst/>
+                <a:latin typeface="Oxygen" panose="02000503000000000000" pitchFamily="2" charset="0"/>
+              </a:rPr>
+              <a:t> </a:t>
+            </a:r>
+          </a:p>
+        </p:txBody>
+      </p:sp>
+      <p:pic>
+        <p:nvPicPr>
+          <p:cNvPr id="11" name="Picture 10">
+            <a:extLst>
+              <a:ext uri="{FF2B5EF4-FFF2-40B4-BE49-F238E27FC236}">
+                <a16:creationId xmlns:a16="http://schemas.microsoft.com/office/drawing/2014/main" id="{63A565AC-7D1A-B527-FA13-2B01EB59FFD4}"/>
+              </a:ext>
+            </a:extLst>
+          </p:cNvPr>
+          <p:cNvPicPr>
+            <a:picLocks noChangeAspect="1"/>
+          </p:cNvPicPr>
+          <p:nvPr/>
+        </p:nvPicPr>
+        <p:blipFill>
+          <a:blip r:embed="rId3"/>
+          <a:stretch>
+            <a:fillRect/>
+          </a:stretch>
+        </p:blipFill>
+        <p:spPr>
+          <a:xfrm>
+            <a:off x="8205123" y="3779520"/>
+            <a:ext cx="2719412" cy="2688306"/>
+          </a:xfrm>
+          <a:prstGeom prst="rect">
+            <a:avLst/>
+          </a:prstGeom>
+        </p:spPr>
+      </p:pic>
+      <p:pic>
+        <p:nvPicPr>
+          <p:cNvPr id="13" name="Picture 12">
+            <a:extLst>
+              <a:ext uri="{FF2B5EF4-FFF2-40B4-BE49-F238E27FC236}">
+                <a16:creationId xmlns:a16="http://schemas.microsoft.com/office/drawing/2014/main" id="{903A0E36-143C-156F-AD43-4105C38E19F5}"/>
+              </a:ext>
+            </a:extLst>
+          </p:cNvPr>
+          <p:cNvPicPr>
+            <a:picLocks noChangeAspect="1"/>
+          </p:cNvPicPr>
+          <p:nvPr/>
+        </p:nvPicPr>
+        <p:blipFill>
+          <a:blip r:embed="rId4"/>
+          <a:stretch>
+            <a:fillRect/>
+          </a:stretch>
+        </p:blipFill>
+        <p:spPr>
+          <a:xfrm>
+            <a:off x="1546074" y="1496355"/>
+            <a:ext cx="2233860" cy="1728919"/>
+          </a:xfrm>
+          <a:prstGeom prst="rect">
+            <a:avLst/>
+          </a:prstGeom>
+        </p:spPr>
+      </p:pic>
+      <p:pic>
+        <p:nvPicPr>
+          <p:cNvPr id="15" name="Picture 14">
+            <a:extLst>
+              <a:ext uri="{FF2B5EF4-FFF2-40B4-BE49-F238E27FC236}">
+                <a16:creationId xmlns:a16="http://schemas.microsoft.com/office/drawing/2014/main" id="{16FFFF38-5AFF-9626-49C7-4F5E51C277D6}"/>
+              </a:ext>
+            </a:extLst>
+          </p:cNvPr>
+          <p:cNvPicPr>
+            <a:picLocks noChangeAspect="1"/>
+          </p:cNvPicPr>
+          <p:nvPr/>
+        </p:nvPicPr>
+        <p:blipFill>
+          <a:blip r:embed="rId5"/>
+          <a:stretch>
+            <a:fillRect/>
+          </a:stretch>
+        </p:blipFill>
+        <p:spPr>
+          <a:xfrm>
+            <a:off x="4203160" y="1487609"/>
+            <a:ext cx="1723856" cy="1896849"/>
+          </a:xfrm>
+          <a:prstGeom prst="rect">
+            <a:avLst/>
+          </a:prstGeom>
+        </p:spPr>
+      </p:pic>
+      <p:sp>
+        <p:nvSpPr>
+          <p:cNvPr id="16" name="TextBox 15">
+            <a:extLst>
+              <a:ext uri="{FF2B5EF4-FFF2-40B4-BE49-F238E27FC236}">
+                <a16:creationId xmlns:a16="http://schemas.microsoft.com/office/drawing/2014/main" id="{AF2A69C4-1079-31F8-4E71-69174F717159}"/>
+              </a:ext>
+            </a:extLst>
+          </p:cNvPr>
+          <p:cNvSpPr txBox="1"/>
+          <p:nvPr/>
+        </p:nvSpPr>
+        <p:spPr>
+          <a:xfrm>
+            <a:off x="6774180" y="1542059"/>
+            <a:ext cx="4808220" cy="2031325"/>
+          </a:xfrm>
+          <a:prstGeom prst="rect">
+            <a:avLst/>
+          </a:prstGeom>
+          <a:noFill/>
+        </p:spPr>
+        <p:txBody>
+          <a:bodyPr wrap="square">
+            <a:spAutoFit/>
+          </a:bodyPr>
+          <a:lstStyle/>
+          <a:p>
+            <a:pPr marL="285750" indent="-285750">
+              <a:buFont typeface="Arial" panose="020B0604020202020204" pitchFamily="34" charset="0"/>
+              <a:buChar char="•"/>
+            </a:pPr>
+            <a:r>
+              <a:rPr lang="en-US" sz="1400" dirty="0">
+                <a:solidFill>
+                  <a:srgbClr val="4D5156"/>
+                </a:solidFill>
+                <a:latin typeface="Oxygen" panose="02000503000000000000" pitchFamily="2" charset="0"/>
+              </a:rPr>
+              <a:t>Less Human Error, 24x7 Availability, Repetitive Jobs </a:t>
+            </a:r>
+          </a:p>
+          <a:p>
+            <a:pPr marL="285750" indent="-285750">
+              <a:buFont typeface="Arial" panose="020B0604020202020204" pitchFamily="34" charset="0"/>
+              <a:buChar char="•"/>
+            </a:pPr>
+            <a:r>
+              <a:rPr lang="en-US" sz="1400" dirty="0">
+                <a:solidFill>
+                  <a:srgbClr val="4D5156"/>
+                </a:solidFill>
+                <a:latin typeface="Oxygen" panose="02000503000000000000" pitchFamily="2" charset="0"/>
+              </a:rPr>
+              <a:t>Unbiased Decisions, Precision and repeatability</a:t>
+            </a:r>
+          </a:p>
+          <a:p>
+            <a:pPr marL="285750" indent="-285750">
+              <a:buFont typeface="Arial" panose="020B0604020202020204" pitchFamily="34" charset="0"/>
+              <a:buChar char="•"/>
+            </a:pPr>
+            <a:r>
+              <a:rPr lang="en-US" sz="1400" dirty="0">
+                <a:solidFill>
+                  <a:srgbClr val="4D5156"/>
+                </a:solidFill>
+                <a:latin typeface="Oxygen" panose="02000503000000000000" pitchFamily="2" charset="0"/>
+              </a:rPr>
+              <a:t>Easier to Train, Retrain &amp; Improve</a:t>
+            </a:r>
+          </a:p>
+          <a:p>
+            <a:pPr marL="285750" indent="-285750">
+              <a:buFont typeface="Arial" panose="020B0604020202020204" pitchFamily="34" charset="0"/>
+              <a:buChar char="•"/>
+            </a:pPr>
+            <a:r>
+              <a:rPr lang="en-US" sz="1400" dirty="0">
+                <a:solidFill>
+                  <a:srgbClr val="4D5156"/>
+                </a:solidFill>
+                <a:latin typeface="Oxygen" panose="02000503000000000000" pitchFamily="2" charset="0"/>
+              </a:rPr>
+              <a:t>Risky, Hazardous Situations</a:t>
+            </a:r>
+          </a:p>
+          <a:p>
+            <a:pPr marL="285750" indent="-285750">
+              <a:buFont typeface="Arial" panose="020B0604020202020204" pitchFamily="34" charset="0"/>
+              <a:buChar char="•"/>
+            </a:pPr>
+            <a:r>
+              <a:rPr lang="en-US" sz="1400" dirty="0">
+                <a:solidFill>
+                  <a:srgbClr val="4D5156"/>
+                </a:solidFill>
+                <a:latin typeface="Oxygen" panose="02000503000000000000" pitchFamily="2" charset="0"/>
+              </a:rPr>
+              <a:t>Digital Assistance</a:t>
+            </a:r>
+          </a:p>
+          <a:p>
+            <a:pPr marL="285750" indent="-285750">
+              <a:buFont typeface="Arial" panose="020B0604020202020204" pitchFamily="34" charset="0"/>
+              <a:buChar char="•"/>
+            </a:pPr>
+            <a:endParaRPr lang="en-US" sz="1400" dirty="0">
+              <a:solidFill>
+                <a:srgbClr val="4D5156"/>
+              </a:solidFill>
+              <a:latin typeface="Oxygen" panose="02000503000000000000" pitchFamily="2" charset="0"/>
+            </a:endParaRPr>
+          </a:p>
+          <a:p>
+            <a:pPr marL="285750" indent="-285750">
+              <a:buFont typeface="Arial" panose="020B0604020202020204" pitchFamily="34" charset="0"/>
+              <a:buChar char="•"/>
+            </a:pPr>
+            <a:r>
+              <a:rPr lang="en-US" sz="1400" dirty="0">
+                <a:solidFill>
+                  <a:srgbClr val="4D5156"/>
+                </a:solidFill>
+                <a:latin typeface="Oxygen" panose="02000503000000000000" pitchFamily="2" charset="0"/>
+              </a:rPr>
+              <a:t>No Ethics or Emotions</a:t>
+            </a:r>
+          </a:p>
+          <a:p>
+            <a:pPr marL="285750" indent="-285750">
+              <a:buFont typeface="Arial" panose="020B0604020202020204" pitchFamily="34" charset="0"/>
+              <a:buChar char="•"/>
+            </a:pPr>
+            <a:r>
+              <a:rPr lang="en-US" sz="1400" dirty="0">
+                <a:solidFill>
+                  <a:srgbClr val="4D5156"/>
+                </a:solidFill>
+                <a:latin typeface="Oxygen" panose="02000503000000000000" pitchFamily="2" charset="0"/>
+              </a:rPr>
+              <a:t>May Increase Unemployment</a:t>
+            </a:r>
+          </a:p>
+          <a:p>
+            <a:pPr marL="285750" indent="-285750">
+              <a:buFont typeface="Arial" panose="020B0604020202020204" pitchFamily="34" charset="0"/>
+              <a:buChar char="•"/>
+            </a:pPr>
+            <a:r>
+              <a:rPr lang="en-US" sz="1400" dirty="0">
+                <a:solidFill>
+                  <a:srgbClr val="4D5156"/>
+                </a:solidFill>
+                <a:latin typeface="Oxygen" panose="02000503000000000000" pitchFamily="2" charset="0"/>
+              </a:rPr>
+              <a:t>Lacks Human Judgement / Improvising</a:t>
+            </a:r>
+            <a:endParaRPr lang="en-US" sz="1400" dirty="0"/>
           </a:p>
         </p:txBody>
       </p:sp>
@@ -4565,7 +5101,7 @@
                 </a:solidFill>
                 <a:latin typeface="Oxygen" panose="02000503000000000000" pitchFamily="2" charset="0"/>
               </a:rPr>
-              <a:t>A Brave New World</a:t>
+              <a:t>Examples of AI</a:t>
             </a:r>
           </a:p>
         </p:txBody>
@@ -5020,10 +5556,287 @@
           </a:p>
         </p:txBody>
       </p:sp>
+      <p:sp>
+        <p:nvSpPr>
+          <p:cNvPr id="2" name="TextBox 1">
+            <a:extLst>
+              <a:ext uri="{FF2B5EF4-FFF2-40B4-BE49-F238E27FC236}">
+                <a16:creationId xmlns:a16="http://schemas.microsoft.com/office/drawing/2014/main" id="{4967AD29-809F-8190-5D84-AAF39556D13D}"/>
+              </a:ext>
+            </a:extLst>
+          </p:cNvPr>
+          <p:cNvSpPr txBox="1"/>
+          <p:nvPr/>
+        </p:nvSpPr>
+        <p:spPr>
+          <a:xfrm>
+            <a:off x="739140" y="863879"/>
+            <a:ext cx="6187440" cy="2893100"/>
+          </a:xfrm>
+          <a:prstGeom prst="rect">
+            <a:avLst/>
+          </a:prstGeom>
+          <a:noFill/>
+        </p:spPr>
+        <p:txBody>
+          <a:bodyPr wrap="square">
+            <a:spAutoFit/>
+          </a:bodyPr>
+          <a:lstStyle/>
+          <a:p>
+            <a:pPr marL="285750" indent="-285750">
+              <a:buFont typeface="Arial" panose="020B0604020202020204" pitchFamily="34" charset="0"/>
+              <a:buChar char="•"/>
+            </a:pPr>
+            <a:r>
+              <a:rPr lang="en-US" sz="1400" dirty="0">
+                <a:solidFill>
+                  <a:schemeClr val="tx1">
+                    <a:lumMod val="65000"/>
+                    <a:lumOff val="35000"/>
+                  </a:schemeClr>
+                </a:solidFill>
+                <a:latin typeface="Oxygen" panose="02000503000000000000" pitchFamily="2" charset="0"/>
+              </a:rPr>
+              <a:t>Ranking of search pages in Google</a:t>
+            </a:r>
+          </a:p>
+          <a:p>
+            <a:pPr marL="285750" indent="-285750">
+              <a:buFont typeface="Arial" panose="020B0604020202020204" pitchFamily="34" charset="0"/>
+              <a:buChar char="•"/>
+            </a:pPr>
+            <a:r>
+              <a:rPr lang="en-US" sz="1400" dirty="0">
+                <a:solidFill>
+                  <a:schemeClr val="tx1">
+                    <a:lumMod val="65000"/>
+                    <a:lumOff val="35000"/>
+                  </a:schemeClr>
+                </a:solidFill>
+                <a:latin typeface="Oxygen" panose="02000503000000000000" pitchFamily="2" charset="0"/>
+              </a:rPr>
+              <a:t>Tagging of recognized faces on FB</a:t>
+            </a:r>
+          </a:p>
+          <a:p>
+            <a:pPr marL="285750" indent="-285750">
+              <a:buFont typeface="Arial" panose="020B0604020202020204" pitchFamily="34" charset="0"/>
+              <a:buChar char="•"/>
+            </a:pPr>
+            <a:r>
+              <a:rPr lang="en-US" sz="1400" dirty="0">
+                <a:solidFill>
+                  <a:schemeClr val="tx1">
+                    <a:lumMod val="65000"/>
+                    <a:lumOff val="35000"/>
+                  </a:schemeClr>
+                </a:solidFill>
+                <a:latin typeface="Oxygen" panose="02000503000000000000" pitchFamily="2" charset="0"/>
+              </a:rPr>
+              <a:t>Spam filter in </a:t>
+            </a:r>
+            <a:r>
+              <a:rPr lang="en-US" sz="1400" dirty="0" err="1">
+                <a:solidFill>
+                  <a:schemeClr val="tx1">
+                    <a:lumMod val="65000"/>
+                    <a:lumOff val="35000"/>
+                  </a:schemeClr>
+                </a:solidFill>
+                <a:latin typeface="Oxygen" panose="02000503000000000000" pitchFamily="2" charset="0"/>
+              </a:rPr>
+              <a:t>gmail</a:t>
+            </a:r>
+            <a:endParaRPr lang="en-US" sz="1400" dirty="0">
+              <a:solidFill>
+                <a:schemeClr val="tx1">
+                  <a:lumMod val="65000"/>
+                  <a:lumOff val="35000"/>
+                </a:schemeClr>
+              </a:solidFill>
+              <a:latin typeface="Oxygen" panose="02000503000000000000" pitchFamily="2" charset="0"/>
+            </a:endParaRPr>
+          </a:p>
+          <a:p>
+            <a:endParaRPr lang="en-US" sz="1400" dirty="0">
+              <a:solidFill>
+                <a:schemeClr val="tx1">
+                  <a:lumMod val="65000"/>
+                  <a:lumOff val="35000"/>
+                </a:schemeClr>
+              </a:solidFill>
+              <a:latin typeface="Oxygen" panose="02000503000000000000" pitchFamily="2" charset="0"/>
+            </a:endParaRPr>
+          </a:p>
+          <a:p>
+            <a:pPr marL="285750" indent="-285750">
+              <a:buFont typeface="Arial" panose="020B0604020202020204" pitchFamily="34" charset="0"/>
+              <a:buChar char="•"/>
+            </a:pPr>
+            <a:r>
+              <a:rPr lang="en-US" sz="1400" dirty="0">
+                <a:solidFill>
+                  <a:schemeClr val="tx1">
+                    <a:lumMod val="65000"/>
+                    <a:lumOff val="35000"/>
+                  </a:schemeClr>
+                </a:solidFill>
+                <a:latin typeface="Oxygen" panose="02000503000000000000" pitchFamily="2" charset="0"/>
+              </a:rPr>
+              <a:t>Database mining</a:t>
+            </a:r>
+          </a:p>
+          <a:p>
+            <a:pPr marL="742950" lvl="2" indent="-285750">
+              <a:buFont typeface="Arial" panose="020B0604020202020204" pitchFamily="34" charset="0"/>
+              <a:buChar char="•"/>
+            </a:pPr>
+            <a:r>
+              <a:rPr lang="en-US" sz="1400" dirty="0">
+                <a:solidFill>
+                  <a:schemeClr val="tx1">
+                    <a:lumMod val="65000"/>
+                    <a:lumOff val="35000"/>
+                  </a:schemeClr>
+                </a:solidFill>
+                <a:latin typeface="Oxygen" panose="02000503000000000000" pitchFamily="2" charset="0"/>
+              </a:rPr>
+              <a:t>Large datasets from growth of automation/web.</a:t>
+            </a:r>
+          </a:p>
+          <a:p>
+            <a:pPr marL="1200150" lvl="3" indent="-285750">
+              <a:buFont typeface="Arial" panose="020B0604020202020204" pitchFamily="34" charset="0"/>
+              <a:buChar char="•"/>
+            </a:pPr>
+            <a:r>
+              <a:rPr lang="en-US" sz="1400" dirty="0">
+                <a:solidFill>
+                  <a:schemeClr val="tx1">
+                    <a:lumMod val="65000"/>
+                    <a:lumOff val="35000"/>
+                  </a:schemeClr>
+                </a:solidFill>
+                <a:latin typeface="Oxygen" panose="02000503000000000000" pitchFamily="2" charset="0"/>
+              </a:rPr>
+              <a:t>Web click data, medical, biology, engineering</a:t>
+            </a:r>
+          </a:p>
+          <a:p>
+            <a:pPr marL="285750" indent="-285750">
+              <a:buFont typeface="Arial" panose="020B0604020202020204" pitchFamily="34" charset="0"/>
+              <a:buChar char="•"/>
+            </a:pPr>
+            <a:r>
+              <a:rPr lang="en-US" sz="1400" dirty="0">
+                <a:solidFill>
+                  <a:schemeClr val="tx1">
+                    <a:lumMod val="65000"/>
+                    <a:lumOff val="35000"/>
+                  </a:schemeClr>
+                </a:solidFill>
+                <a:latin typeface="Oxygen" panose="02000503000000000000" pitchFamily="2" charset="0"/>
+              </a:rPr>
+              <a:t>Applications that can’t program by hand.</a:t>
+            </a:r>
+          </a:p>
+          <a:p>
+            <a:pPr marL="742950" lvl="2" indent="-285750">
+              <a:buFont typeface="Arial" panose="020B0604020202020204" pitchFamily="34" charset="0"/>
+              <a:buChar char="•"/>
+            </a:pPr>
+            <a:r>
+              <a:rPr lang="en-US" sz="1400" dirty="0">
+                <a:solidFill>
+                  <a:schemeClr val="tx1">
+                    <a:lumMod val="65000"/>
+                    <a:lumOff val="35000"/>
+                  </a:schemeClr>
+                </a:solidFill>
+                <a:latin typeface="Oxygen" panose="02000503000000000000" pitchFamily="2" charset="0"/>
+              </a:rPr>
+              <a:t>NLP, Computer Vision</a:t>
+            </a:r>
+          </a:p>
+          <a:p>
+            <a:pPr marL="742950" lvl="2" indent="-285750">
+              <a:buFont typeface="Arial" panose="020B0604020202020204" pitchFamily="34" charset="0"/>
+              <a:buChar char="•"/>
+            </a:pPr>
+            <a:r>
+              <a:rPr lang="en-US" sz="1400" dirty="0">
+                <a:solidFill>
+                  <a:schemeClr val="tx1">
+                    <a:lumMod val="65000"/>
+                    <a:lumOff val="35000"/>
+                  </a:schemeClr>
+                </a:solidFill>
+                <a:latin typeface="Oxygen" panose="02000503000000000000" pitchFamily="2" charset="0"/>
+              </a:rPr>
+              <a:t>Autonomous helicopter, handwriting recognition</a:t>
+            </a:r>
+          </a:p>
+          <a:p>
+            <a:pPr marL="285750" lvl="2" indent="-285750">
+              <a:buFont typeface="Arial" panose="020B0604020202020204" pitchFamily="34" charset="0"/>
+              <a:buChar char="•"/>
+            </a:pPr>
+            <a:r>
+              <a:rPr lang="en-US" sz="1400" dirty="0">
+                <a:solidFill>
+                  <a:schemeClr val="tx1">
+                    <a:lumMod val="65000"/>
+                    <a:lumOff val="35000"/>
+                  </a:schemeClr>
+                </a:solidFill>
+                <a:latin typeface="Oxygen" panose="02000503000000000000" pitchFamily="2" charset="0"/>
+              </a:rPr>
+              <a:t>Self-customizing programs</a:t>
+            </a:r>
+          </a:p>
+          <a:p>
+            <a:pPr marL="742950" lvl="3" indent="-285750">
+              <a:buFont typeface="Arial" panose="020B0604020202020204" pitchFamily="34" charset="0"/>
+              <a:buChar char="•"/>
+            </a:pPr>
+            <a:r>
+              <a:rPr lang="en-US" sz="1400" dirty="0">
+                <a:solidFill>
+                  <a:schemeClr val="tx1">
+                    <a:lumMod val="65000"/>
+                    <a:lumOff val="35000"/>
+                  </a:schemeClr>
+                </a:solidFill>
+                <a:latin typeface="Oxygen" panose="02000503000000000000" pitchFamily="2" charset="0"/>
+              </a:rPr>
+              <a:t>E.g., Amazon, Netflix product recommendations</a:t>
+            </a:r>
+          </a:p>
+          <a:p>
+            <a:pPr marL="285750" lvl="2" indent="-285750">
+              <a:buFont typeface="Arial" panose="020B0604020202020204" pitchFamily="34" charset="0"/>
+              <a:buChar char="•"/>
+            </a:pPr>
+            <a:r>
+              <a:rPr lang="en-US" sz="1400" dirty="0">
+                <a:solidFill>
+                  <a:schemeClr val="tx1">
+                    <a:lumMod val="65000"/>
+                    <a:lumOff val="35000"/>
+                  </a:schemeClr>
+                </a:solidFill>
+                <a:latin typeface="Oxygen" panose="02000503000000000000" pitchFamily="2" charset="0"/>
+              </a:rPr>
+              <a:t>Understanding human learning (brain, real AI)</a:t>
+            </a:r>
+          </a:p>
+        </p:txBody>
+      </p:sp>
     </p:spTree>
     <p:extLst>
       <p:ext uri="{BB962C8B-B14F-4D97-AF65-F5344CB8AC3E}">
-        <p14:creationId xmlns:p14="http://schemas.microsoft.com/office/powerpoint/2010/main" val="3888458640"/>
+        <p14:creationId xmlns:p14="http://schemas.microsoft.com/office/powerpoint/2010/main" val="2835139849"/>
       </p:ext>
     </p:extLst>
   </p:cSld>
@@ -5627,7 +6440,1215 @@
     </p:spTree>
     <p:extLst>
       <p:ext uri="{BB962C8B-B14F-4D97-AF65-F5344CB8AC3E}">
-        <p14:creationId xmlns:p14="http://schemas.microsoft.com/office/powerpoint/2010/main" val="2835139849"/>
+        <p14:creationId xmlns:p14="http://schemas.microsoft.com/office/powerpoint/2010/main" val="823368379"/>
+      </p:ext>
+    </p:extLst>
+  </p:cSld>
+  <p:clrMapOvr>
+    <a:masterClrMapping/>
+  </p:clrMapOvr>
+</p:sld>
+</file>
+
+<file path=ppt/slides/slide4.xml><?xml version="1.0" encoding="utf-8"?>
+<p:sld xmlns:a="http://schemas.openxmlformats.org/drawingml/2006/main" xmlns:r="http://schemas.openxmlformats.org/officeDocument/2006/relationships" xmlns:p="http://schemas.openxmlformats.org/presentationml/2006/main">
+  <p:cSld>
+    <p:spTree>
+      <p:nvGrpSpPr>
+        <p:cNvPr id="1" name=""/>
+        <p:cNvGrpSpPr/>
+        <p:nvPr/>
+      </p:nvGrpSpPr>
+      <p:grpSpPr>
+        <a:xfrm>
+          <a:off x="0" y="0"/>
+          <a:ext cx="0" cy="0"/>
+          <a:chOff x="0" y="0"/>
+          <a:chExt cx="0" cy="0"/>
+        </a:xfrm>
+      </p:grpSpPr>
+      <p:pic>
+        <p:nvPicPr>
+          <p:cNvPr id="4" name="Picture 3">
+            <a:extLst>
+              <a:ext uri="{FF2B5EF4-FFF2-40B4-BE49-F238E27FC236}">
+                <a16:creationId xmlns:a16="http://schemas.microsoft.com/office/drawing/2014/main" id="{FD69D8BB-2E0B-CF01-4B45-BAF7C391E63E}"/>
+              </a:ext>
+            </a:extLst>
+          </p:cNvPr>
+          <p:cNvPicPr>
+            <a:picLocks noChangeAspect="1"/>
+          </p:cNvPicPr>
+          <p:nvPr/>
+        </p:nvPicPr>
+        <p:blipFill>
+          <a:blip r:embed="rId2" cstate="print">
+            <a:extLst>
+              <a:ext uri="{28A0092B-C50C-407E-A947-70E740481C1C}">
+                <a14:useLocalDpi xmlns:a14="http://schemas.microsoft.com/office/drawing/2010/main" val="0"/>
+              </a:ext>
+            </a:extLst>
+          </a:blip>
+          <a:stretch>
+            <a:fillRect/>
+          </a:stretch>
+        </p:blipFill>
+        <p:spPr>
+          <a:xfrm>
+            <a:off x="88330" y="83820"/>
+            <a:ext cx="1098112" cy="519455"/>
+          </a:xfrm>
+          <a:prstGeom prst="rect">
+            <a:avLst/>
+          </a:prstGeom>
+        </p:spPr>
+      </p:pic>
+      <p:sp>
+        <p:nvSpPr>
+          <p:cNvPr id="5" name="Slide Number Placeholder 5">
+            <a:extLst>
+              <a:ext uri="{FF2B5EF4-FFF2-40B4-BE49-F238E27FC236}">
+                <a16:creationId xmlns:a16="http://schemas.microsoft.com/office/drawing/2014/main" id="{1E2770BD-E9AA-BF69-CB94-E24BD02EB973}"/>
+              </a:ext>
+            </a:extLst>
+          </p:cNvPr>
+          <p:cNvSpPr>
+            <a:spLocks noGrp="1"/>
+          </p:cNvSpPr>
+          <p:nvPr>
+            <p:ph type="sldNum" sz="quarter" idx="12"/>
+          </p:nvPr>
+        </p:nvSpPr>
+        <p:spPr>
+          <a:xfrm>
+            <a:off x="88330" y="6451838"/>
+            <a:ext cx="1114844" cy="406161"/>
+          </a:xfrm>
+        </p:spPr>
+        <p:txBody>
+          <a:bodyPr/>
+          <a:lstStyle/>
+          <a:p>
+            <a:pPr algn="l"/>
+            <a:r>
+              <a:rPr lang="en-AU" dirty="0"/>
+              <a:t>Slide# </a:t>
+            </a:r>
+            <a:fld id="{385A3FD6-5CAE-4969-9534-D6FE8E561A66}" type="slidenum">
+              <a:rPr lang="en-AU" smtClean="0"/>
+              <a:pPr algn="l"/>
+              <a:t>4</a:t>
+            </a:fld>
+            <a:endParaRPr lang="en-AU" dirty="0"/>
+          </a:p>
+        </p:txBody>
+      </p:sp>
+      <p:sp>
+        <p:nvSpPr>
+          <p:cNvPr id="6" name="TextBox 5">
+            <a:extLst>
+              <a:ext uri="{FF2B5EF4-FFF2-40B4-BE49-F238E27FC236}">
+                <a16:creationId xmlns:a16="http://schemas.microsoft.com/office/drawing/2014/main" id="{5EF1E827-9DB0-4FC3-C6A9-C69DEDA69E20}"/>
+              </a:ext>
+            </a:extLst>
+          </p:cNvPr>
+          <p:cNvSpPr txBox="1"/>
+          <p:nvPr/>
+        </p:nvSpPr>
+        <p:spPr>
+          <a:xfrm>
+            <a:off x="2176209" y="11044"/>
+            <a:ext cx="7839581" cy="507639"/>
+          </a:xfrm>
+          <a:prstGeom prst="rect">
+            <a:avLst/>
+          </a:prstGeom>
+          <a:noFill/>
+        </p:spPr>
+        <p:txBody>
+          <a:bodyPr wrap="square" rtlCol="0">
+            <a:spAutoFit/>
+          </a:bodyPr>
+          <a:lstStyle/>
+          <a:p>
+            <a:pPr algn="ctr">
+              <a:lnSpc>
+                <a:spcPct val="200000"/>
+              </a:lnSpc>
+            </a:pPr>
+            <a:r>
+              <a:rPr lang="en-US" sz="1600" b="1" cap="small" dirty="0">
+                <a:solidFill>
+                  <a:schemeClr val="tx1">
+                    <a:lumMod val="50000"/>
+                    <a:lumOff val="50000"/>
+                  </a:schemeClr>
+                </a:solidFill>
+                <a:latin typeface="Oxygen" panose="02000503000000000000" pitchFamily="2" charset="0"/>
+              </a:rPr>
+              <a:t>A Brave New World</a:t>
+            </a:r>
+          </a:p>
+        </p:txBody>
+      </p:sp>
+      <p:sp>
+        <p:nvSpPr>
+          <p:cNvPr id="7" name="Footer Placeholder 3">
+            <a:extLst>
+              <a:ext uri="{FF2B5EF4-FFF2-40B4-BE49-F238E27FC236}">
+                <a16:creationId xmlns:a16="http://schemas.microsoft.com/office/drawing/2014/main" id="{9F40063D-4360-D642-6E62-8B388E627A8D}"/>
+              </a:ext>
+            </a:extLst>
+          </p:cNvPr>
+          <p:cNvSpPr>
+            <a:spLocks noGrp="1"/>
+          </p:cNvSpPr>
+          <p:nvPr>
+            <p:ph type="ftr" sz="quarter" idx="11"/>
+          </p:nvPr>
+        </p:nvSpPr>
+        <p:spPr>
+          <a:xfrm>
+            <a:off x="4480020" y="6550292"/>
+            <a:ext cx="3343275" cy="296664"/>
+          </a:xfrm>
+        </p:spPr>
+        <p:txBody>
+          <a:bodyPr/>
+          <a:lstStyle/>
+          <a:p>
+            <a:r>
+              <a:rPr lang="en-US" sz="813" b="1" dirty="0">
+                <a:latin typeface="Oxygen" panose="02000503000000000000" pitchFamily="2" charset="0"/>
+              </a:rPr>
+              <a:t>nodiam – Private &amp; Confidential – 2023 © </a:t>
+            </a:r>
+            <a:endParaRPr lang="en-AU" sz="813" b="1" dirty="0">
+              <a:latin typeface="Oxygen" panose="02000503000000000000" pitchFamily="2" charset="0"/>
+            </a:endParaRPr>
+          </a:p>
+        </p:txBody>
+      </p:sp>
+      <p:sp>
+        <p:nvSpPr>
+          <p:cNvPr id="8" name="Freeform 14">
+            <a:extLst>
+              <a:ext uri="{FF2B5EF4-FFF2-40B4-BE49-F238E27FC236}">
+                <a16:creationId xmlns:a16="http://schemas.microsoft.com/office/drawing/2014/main" id="{972E745A-0700-BC8F-0C5E-3913B6365BEF}"/>
+              </a:ext>
+            </a:extLst>
+          </p:cNvPr>
+          <p:cNvSpPr/>
+          <p:nvPr/>
+        </p:nvSpPr>
+        <p:spPr>
+          <a:xfrm>
+            <a:off x="5012965" y="6638947"/>
+            <a:ext cx="119353" cy="119353"/>
+          </a:xfrm>
+          <a:custGeom>
+            <a:avLst/>
+            <a:gdLst>
+              <a:gd name="connsiteX0" fmla="*/ 1080000 w 2160000"/>
+              <a:gd name="connsiteY0" fmla="*/ 0 h 2160000"/>
+              <a:gd name="connsiteX1" fmla="*/ 2154424 w 2160000"/>
+              <a:gd name="connsiteY1" fmla="*/ 969576 h 2160000"/>
+              <a:gd name="connsiteX2" fmla="*/ 2157027 w 2160000"/>
+              <a:gd name="connsiteY2" fmla="*/ 1021127 h 2160000"/>
+              <a:gd name="connsiteX3" fmla="*/ 2159999 w 2160000"/>
+              <a:gd name="connsiteY3" fmla="*/ 1021127 h 2160000"/>
+              <a:gd name="connsiteX4" fmla="*/ 2159999 w 2160000"/>
+              <a:gd name="connsiteY4" fmla="*/ 1079980 h 2160000"/>
+              <a:gd name="connsiteX5" fmla="*/ 2160000 w 2160000"/>
+              <a:gd name="connsiteY5" fmla="*/ 1080000 h 2160000"/>
+              <a:gd name="connsiteX6" fmla="*/ 2159999 w 2160000"/>
+              <a:gd name="connsiteY6" fmla="*/ 1080021 h 2160000"/>
+              <a:gd name="connsiteX7" fmla="*/ 2159999 w 2160000"/>
+              <a:gd name="connsiteY7" fmla="*/ 1716639 h 2160000"/>
+              <a:gd name="connsiteX8" fmla="*/ 2157838 w 2160000"/>
+              <a:gd name="connsiteY8" fmla="*/ 1716639 h 2160000"/>
+              <a:gd name="connsiteX9" fmla="*/ 2160000 w 2160000"/>
+              <a:gd name="connsiteY9" fmla="*/ 1738544 h 2160000"/>
+              <a:gd name="connsiteX10" fmla="*/ 1891921 w 2160000"/>
+              <a:gd name="connsiteY10" fmla="*/ 2012333 h 2160000"/>
+              <a:gd name="connsiteX11" fmla="*/ 1623842 w 2160000"/>
+              <a:gd name="connsiteY11" fmla="*/ 1738544 h 2160000"/>
+              <a:gd name="connsiteX12" fmla="*/ 1626005 w 2160000"/>
+              <a:gd name="connsiteY12" fmla="*/ 1716639 h 2160000"/>
+              <a:gd name="connsiteX13" fmla="*/ 1620298 w 2160000"/>
+              <a:gd name="connsiteY13" fmla="*/ 1716639 h 2160000"/>
+              <a:gd name="connsiteX14" fmla="*/ 1620298 w 2160000"/>
+              <a:gd name="connsiteY14" fmla="*/ 1090950 h 2160000"/>
+              <a:gd name="connsiteX15" fmla="*/ 1618898 w 2160000"/>
+              <a:gd name="connsiteY15" fmla="*/ 1090937 h 2160000"/>
+              <a:gd name="connsiteX16" fmla="*/ 1620000 w 2160000"/>
+              <a:gd name="connsiteY16" fmla="*/ 1080000 h 2160000"/>
+              <a:gd name="connsiteX17" fmla="*/ 1080000 w 2160000"/>
+              <a:gd name="connsiteY17" fmla="*/ 540000 h 2160000"/>
+              <a:gd name="connsiteX18" fmla="*/ 540000 w 2160000"/>
+              <a:gd name="connsiteY18" fmla="*/ 1080000 h 2160000"/>
+              <a:gd name="connsiteX19" fmla="*/ 1080000 w 2160000"/>
+              <a:gd name="connsiteY19" fmla="*/ 1620000 h 2160000"/>
+              <a:gd name="connsiteX20" fmla="*/ 1172144 w 2160000"/>
+              <a:gd name="connsiteY20" fmla="*/ 1610711 h 2160000"/>
+              <a:gd name="connsiteX21" fmla="*/ 1192722 w 2160000"/>
+              <a:gd name="connsiteY21" fmla="*/ 1599542 h 2160000"/>
+              <a:gd name="connsiteX22" fmla="*/ 1205334 w 2160000"/>
+              <a:gd name="connsiteY22" fmla="*/ 1595627 h 2160000"/>
+              <a:gd name="connsiteX23" fmla="*/ 1218649 w 2160000"/>
+              <a:gd name="connsiteY23" fmla="*/ 1594482 h 2160000"/>
+              <a:gd name="connsiteX24" fmla="*/ 1273176 w 2160000"/>
+              <a:gd name="connsiteY24" fmla="*/ 1581875 h 2160000"/>
+              <a:gd name="connsiteX25" fmla="*/ 1277433 w 2160000"/>
+              <a:gd name="connsiteY25" fmla="*/ 1580379 h 2160000"/>
+              <a:gd name="connsiteX26" fmla="*/ 1297818 w 2160000"/>
+              <a:gd name="connsiteY26" fmla="*/ 1578324 h 2160000"/>
+              <a:gd name="connsiteX27" fmla="*/ 1567818 w 2160000"/>
+              <a:gd name="connsiteY27" fmla="*/ 1848324 h 2160000"/>
+              <a:gd name="connsiteX28" fmla="*/ 1469563 w 2160000"/>
+              <a:gd name="connsiteY28" fmla="*/ 2056669 h 2160000"/>
+              <a:gd name="connsiteX29" fmla="*/ 1412948 w 2160000"/>
+              <a:gd name="connsiteY29" fmla="*/ 2091019 h 2160000"/>
+              <a:gd name="connsiteX30" fmla="*/ 1398272 w 2160000"/>
+              <a:gd name="connsiteY30" fmla="*/ 2101498 h 2160000"/>
+              <a:gd name="connsiteX31" fmla="*/ 1374464 w 2160000"/>
+              <a:gd name="connsiteY31" fmla="*/ 2110955 h 2160000"/>
+              <a:gd name="connsiteX32" fmla="*/ 1376211 w 2160000"/>
+              <a:gd name="connsiteY32" fmla="*/ 2117860 h 2160000"/>
+              <a:gd name="connsiteX33" fmla="*/ 1321962 w 2160000"/>
+              <a:gd name="connsiteY33" fmla="*/ 2131809 h 2160000"/>
+              <a:gd name="connsiteX34" fmla="*/ 1306247 w 2160000"/>
+              <a:gd name="connsiteY34" fmla="*/ 2138051 h 2160000"/>
+              <a:gd name="connsiteX35" fmla="*/ 1267530 w 2160000"/>
+              <a:gd name="connsiteY35" fmla="*/ 2142656 h 2160000"/>
+              <a:gd name="connsiteX36" fmla="*/ 1190424 w 2160000"/>
+              <a:gd name="connsiteY36" fmla="*/ 2154424 h 2160000"/>
+              <a:gd name="connsiteX37" fmla="*/ 1080000 w 2160000"/>
+              <a:gd name="connsiteY37" fmla="*/ 2160000 h 2160000"/>
+              <a:gd name="connsiteX38" fmla="*/ 0 w 2160000"/>
+              <a:gd name="connsiteY38" fmla="*/ 1080000 h 2160000"/>
+              <a:gd name="connsiteX39" fmla="*/ 1080000 w 2160000"/>
+              <a:gd name="connsiteY39" fmla="*/ 0 h 2160000"/>
+            </a:gdLst>
+            <a:ahLst/>
+            <a:cxnLst>
+              <a:cxn ang="0">
+                <a:pos x="connsiteX0" y="connsiteY0"/>
+              </a:cxn>
+              <a:cxn ang="0">
+                <a:pos x="connsiteX1" y="connsiteY1"/>
+              </a:cxn>
+              <a:cxn ang="0">
+                <a:pos x="connsiteX2" y="connsiteY2"/>
+              </a:cxn>
+              <a:cxn ang="0">
+                <a:pos x="connsiteX3" y="connsiteY3"/>
+              </a:cxn>
+              <a:cxn ang="0">
+                <a:pos x="connsiteX4" y="connsiteY4"/>
+              </a:cxn>
+              <a:cxn ang="0">
+                <a:pos x="connsiteX5" y="connsiteY5"/>
+              </a:cxn>
+              <a:cxn ang="0">
+                <a:pos x="connsiteX6" y="connsiteY6"/>
+              </a:cxn>
+              <a:cxn ang="0">
+                <a:pos x="connsiteX7" y="connsiteY7"/>
+              </a:cxn>
+              <a:cxn ang="0">
+                <a:pos x="connsiteX8" y="connsiteY8"/>
+              </a:cxn>
+              <a:cxn ang="0">
+                <a:pos x="connsiteX9" y="connsiteY9"/>
+              </a:cxn>
+              <a:cxn ang="0">
+                <a:pos x="connsiteX10" y="connsiteY10"/>
+              </a:cxn>
+              <a:cxn ang="0">
+                <a:pos x="connsiteX11" y="connsiteY11"/>
+              </a:cxn>
+              <a:cxn ang="0">
+                <a:pos x="connsiteX12" y="connsiteY12"/>
+              </a:cxn>
+              <a:cxn ang="0">
+                <a:pos x="connsiteX13" y="connsiteY13"/>
+              </a:cxn>
+              <a:cxn ang="0">
+                <a:pos x="connsiteX14" y="connsiteY14"/>
+              </a:cxn>
+              <a:cxn ang="0">
+                <a:pos x="connsiteX15" y="connsiteY15"/>
+              </a:cxn>
+              <a:cxn ang="0">
+                <a:pos x="connsiteX16" y="connsiteY16"/>
+              </a:cxn>
+              <a:cxn ang="0">
+                <a:pos x="connsiteX17" y="connsiteY17"/>
+              </a:cxn>
+              <a:cxn ang="0">
+                <a:pos x="connsiteX18" y="connsiteY18"/>
+              </a:cxn>
+              <a:cxn ang="0">
+                <a:pos x="connsiteX19" y="connsiteY19"/>
+              </a:cxn>
+              <a:cxn ang="0">
+                <a:pos x="connsiteX20" y="connsiteY20"/>
+              </a:cxn>
+              <a:cxn ang="0">
+                <a:pos x="connsiteX21" y="connsiteY21"/>
+              </a:cxn>
+              <a:cxn ang="0">
+                <a:pos x="connsiteX22" y="connsiteY22"/>
+              </a:cxn>
+              <a:cxn ang="0">
+                <a:pos x="connsiteX23" y="connsiteY23"/>
+              </a:cxn>
+              <a:cxn ang="0">
+                <a:pos x="connsiteX24" y="connsiteY24"/>
+              </a:cxn>
+              <a:cxn ang="0">
+                <a:pos x="connsiteX25" y="connsiteY25"/>
+              </a:cxn>
+              <a:cxn ang="0">
+                <a:pos x="connsiteX26" y="connsiteY26"/>
+              </a:cxn>
+              <a:cxn ang="0">
+                <a:pos x="connsiteX27" y="connsiteY27"/>
+              </a:cxn>
+              <a:cxn ang="0">
+                <a:pos x="connsiteX28" y="connsiteY28"/>
+              </a:cxn>
+              <a:cxn ang="0">
+                <a:pos x="connsiteX29" y="connsiteY29"/>
+              </a:cxn>
+              <a:cxn ang="0">
+                <a:pos x="connsiteX30" y="connsiteY30"/>
+              </a:cxn>
+              <a:cxn ang="0">
+                <a:pos x="connsiteX31" y="connsiteY31"/>
+              </a:cxn>
+              <a:cxn ang="0">
+                <a:pos x="connsiteX32" y="connsiteY32"/>
+              </a:cxn>
+              <a:cxn ang="0">
+                <a:pos x="connsiteX33" y="connsiteY33"/>
+              </a:cxn>
+              <a:cxn ang="0">
+                <a:pos x="connsiteX34" y="connsiteY34"/>
+              </a:cxn>
+              <a:cxn ang="0">
+                <a:pos x="connsiteX35" y="connsiteY35"/>
+              </a:cxn>
+              <a:cxn ang="0">
+                <a:pos x="connsiteX36" y="connsiteY36"/>
+              </a:cxn>
+              <a:cxn ang="0">
+                <a:pos x="connsiteX37" y="connsiteY37"/>
+              </a:cxn>
+              <a:cxn ang="0">
+                <a:pos x="connsiteX38" y="connsiteY38"/>
+              </a:cxn>
+              <a:cxn ang="0">
+                <a:pos x="connsiteX39" y="connsiteY39"/>
+              </a:cxn>
+            </a:cxnLst>
+            <a:rect l="l" t="t" r="r" b="b"/>
+            <a:pathLst>
+              <a:path w="2160000" h="2160000">
+                <a:moveTo>
+                  <a:pt x="1080000" y="0"/>
+                </a:moveTo>
+                <a:cubicBezTo>
+                  <a:pt x="1639189" y="0"/>
+                  <a:pt x="2099117" y="424979"/>
+                  <a:pt x="2154424" y="969576"/>
+                </a:cubicBezTo>
+                <a:lnTo>
+                  <a:pt x="2157027" y="1021127"/>
+                </a:lnTo>
+                <a:lnTo>
+                  <a:pt x="2159999" y="1021127"/>
+                </a:lnTo>
+                <a:lnTo>
+                  <a:pt x="2159999" y="1079980"/>
+                </a:lnTo>
+                <a:lnTo>
+                  <a:pt x="2160000" y="1080000"/>
+                </a:lnTo>
+                <a:lnTo>
+                  <a:pt x="2159999" y="1080021"/>
+                </a:lnTo>
+                <a:lnTo>
+                  <a:pt x="2159999" y="1716639"/>
+                </a:lnTo>
+                <a:lnTo>
+                  <a:pt x="2157838" y="1716639"/>
+                </a:lnTo>
+                <a:lnTo>
+                  <a:pt x="2160000" y="1738544"/>
+                </a:lnTo>
+                <a:cubicBezTo>
+                  <a:pt x="2160000" y="1889753"/>
+                  <a:pt x="2039977" y="2012333"/>
+                  <a:pt x="1891921" y="2012333"/>
+                </a:cubicBezTo>
+                <a:cubicBezTo>
+                  <a:pt x="1743865" y="2012333"/>
+                  <a:pt x="1623842" y="1889753"/>
+                  <a:pt x="1623842" y="1738544"/>
+                </a:cubicBezTo>
+                <a:lnTo>
+                  <a:pt x="1626005" y="1716639"/>
+                </a:lnTo>
+                <a:lnTo>
+                  <a:pt x="1620298" y="1716639"/>
+                </a:lnTo>
+                <a:lnTo>
+                  <a:pt x="1620298" y="1090950"/>
+                </a:lnTo>
+                <a:lnTo>
+                  <a:pt x="1618898" y="1090937"/>
+                </a:lnTo>
+                <a:lnTo>
+                  <a:pt x="1620000" y="1080000"/>
+                </a:lnTo>
+                <a:cubicBezTo>
+                  <a:pt x="1620000" y="781766"/>
+                  <a:pt x="1378234" y="540000"/>
+                  <a:pt x="1080000" y="540000"/>
+                </a:cubicBezTo>
+                <a:cubicBezTo>
+                  <a:pt x="781766" y="540000"/>
+                  <a:pt x="540000" y="781766"/>
+                  <a:pt x="540000" y="1080000"/>
+                </a:cubicBezTo>
+                <a:cubicBezTo>
+                  <a:pt x="540000" y="1378234"/>
+                  <a:pt x="781766" y="1620000"/>
+                  <a:pt x="1080000" y="1620000"/>
+                </a:cubicBezTo>
+                <a:lnTo>
+                  <a:pt x="1172144" y="1610711"/>
+                </a:lnTo>
+                <a:lnTo>
+                  <a:pt x="1192722" y="1599542"/>
+                </a:lnTo>
+                <a:lnTo>
+                  <a:pt x="1205334" y="1595627"/>
+                </a:lnTo>
+                <a:lnTo>
+                  <a:pt x="1218649" y="1594482"/>
+                </a:lnTo>
+                <a:cubicBezTo>
+                  <a:pt x="1237851" y="1591023"/>
+                  <a:pt x="1256099" y="1586790"/>
+                  <a:pt x="1273176" y="1581875"/>
+                </a:cubicBezTo>
+                <a:lnTo>
+                  <a:pt x="1277433" y="1580379"/>
+                </a:lnTo>
+                <a:lnTo>
+                  <a:pt x="1297818" y="1578324"/>
+                </a:lnTo>
+                <a:cubicBezTo>
+                  <a:pt x="1446935" y="1578324"/>
+                  <a:pt x="1567818" y="1699207"/>
+                  <a:pt x="1567818" y="1848324"/>
+                </a:cubicBezTo>
+                <a:cubicBezTo>
+                  <a:pt x="1567818" y="1932202"/>
+                  <a:pt x="1529570" y="2007147"/>
+                  <a:pt x="1469563" y="2056669"/>
+                </a:cubicBezTo>
+                <a:lnTo>
+                  <a:pt x="1412948" y="2091019"/>
+                </a:lnTo>
+                <a:lnTo>
+                  <a:pt x="1398272" y="2101498"/>
+                </a:lnTo>
+                <a:lnTo>
+                  <a:pt x="1374464" y="2110955"/>
+                </a:lnTo>
+                <a:lnTo>
+                  <a:pt x="1376211" y="2117860"/>
+                </a:lnTo>
+                <a:lnTo>
+                  <a:pt x="1321962" y="2131809"/>
+                </a:lnTo>
+                <a:lnTo>
+                  <a:pt x="1306247" y="2138051"/>
+                </a:lnTo>
+                <a:lnTo>
+                  <a:pt x="1267530" y="2142656"/>
+                </a:lnTo>
+                <a:lnTo>
+                  <a:pt x="1190424" y="2154424"/>
+                </a:lnTo>
+                <a:cubicBezTo>
+                  <a:pt x="1154118" y="2158111"/>
+                  <a:pt x="1117280" y="2160000"/>
+                  <a:pt x="1080000" y="2160000"/>
+                </a:cubicBezTo>
+                <a:cubicBezTo>
+                  <a:pt x="483532" y="2160000"/>
+                  <a:pt x="0" y="1676468"/>
+                  <a:pt x="0" y="1080000"/>
+                </a:cubicBezTo>
+                <a:cubicBezTo>
+                  <a:pt x="0" y="483532"/>
+                  <a:pt x="483532" y="0"/>
+                  <a:pt x="1080000" y="0"/>
+                </a:cubicBezTo>
+                <a:close/>
+              </a:path>
+            </a:pathLst>
+          </a:custGeom>
+          <a:solidFill>
+            <a:schemeClr val="tx1">
+              <a:lumMod val="50000"/>
+              <a:lumOff val="50000"/>
+            </a:schemeClr>
+          </a:solidFill>
+          <a:ln>
+            <a:noFill/>
+          </a:ln>
+        </p:spPr>
+        <p:style>
+          <a:lnRef idx="2">
+            <a:schemeClr val="accent1">
+              <a:shade val="50000"/>
+            </a:schemeClr>
+          </a:lnRef>
+          <a:fillRef idx="1">
+            <a:schemeClr val="accent1"/>
+          </a:fillRef>
+          <a:effectRef idx="0">
+            <a:schemeClr val="accent1"/>
+          </a:effectRef>
+          <a:fontRef idx="minor">
+            <a:schemeClr val="lt1"/>
+          </a:fontRef>
+        </p:style>
+        <p:txBody>
+          <a:bodyPr rtlCol="0" anchor="ctr"/>
+          <a:lstStyle/>
+          <a:p>
+            <a:pPr algn="ctr"/>
+            <a:endParaRPr lang="en-AU">
+              <a:latin typeface="Oxygen" panose="02000503000000000000" pitchFamily="2" charset="0"/>
+            </a:endParaRPr>
+          </a:p>
+        </p:txBody>
+      </p:sp>
+    </p:spTree>
+    <p:extLst>
+      <p:ext uri="{BB962C8B-B14F-4D97-AF65-F5344CB8AC3E}">
+        <p14:creationId xmlns:p14="http://schemas.microsoft.com/office/powerpoint/2010/main" val="1770586519"/>
+      </p:ext>
+    </p:extLst>
+  </p:cSld>
+  <p:clrMapOvr>
+    <a:masterClrMapping/>
+  </p:clrMapOvr>
+</p:sld>
+</file>
+
+<file path=ppt/slides/slide5.xml><?xml version="1.0" encoding="utf-8"?>
+<p:sld xmlns:a="http://schemas.openxmlformats.org/drawingml/2006/main" xmlns:r="http://schemas.openxmlformats.org/officeDocument/2006/relationships" xmlns:p="http://schemas.openxmlformats.org/presentationml/2006/main">
+  <p:cSld>
+    <p:spTree>
+      <p:nvGrpSpPr>
+        <p:cNvPr id="1" name=""/>
+        <p:cNvGrpSpPr/>
+        <p:nvPr/>
+      </p:nvGrpSpPr>
+      <p:grpSpPr>
+        <a:xfrm>
+          <a:off x="0" y="0"/>
+          <a:ext cx="0" cy="0"/>
+          <a:chOff x="0" y="0"/>
+          <a:chExt cx="0" cy="0"/>
+        </a:xfrm>
+      </p:grpSpPr>
+      <p:pic>
+        <p:nvPicPr>
+          <p:cNvPr id="4" name="Picture 3">
+            <a:extLst>
+              <a:ext uri="{FF2B5EF4-FFF2-40B4-BE49-F238E27FC236}">
+                <a16:creationId xmlns:a16="http://schemas.microsoft.com/office/drawing/2014/main" id="{FD69D8BB-2E0B-CF01-4B45-BAF7C391E63E}"/>
+              </a:ext>
+            </a:extLst>
+          </p:cNvPr>
+          <p:cNvPicPr>
+            <a:picLocks noChangeAspect="1"/>
+          </p:cNvPicPr>
+          <p:nvPr/>
+        </p:nvPicPr>
+        <p:blipFill>
+          <a:blip r:embed="rId2" cstate="print">
+            <a:extLst>
+              <a:ext uri="{28A0092B-C50C-407E-A947-70E740481C1C}">
+                <a14:useLocalDpi xmlns:a14="http://schemas.microsoft.com/office/drawing/2010/main" val="0"/>
+              </a:ext>
+            </a:extLst>
+          </a:blip>
+          <a:stretch>
+            <a:fillRect/>
+          </a:stretch>
+        </p:blipFill>
+        <p:spPr>
+          <a:xfrm>
+            <a:off x="88330" y="83820"/>
+            <a:ext cx="1098112" cy="519455"/>
+          </a:xfrm>
+          <a:prstGeom prst="rect">
+            <a:avLst/>
+          </a:prstGeom>
+        </p:spPr>
+      </p:pic>
+      <p:sp>
+        <p:nvSpPr>
+          <p:cNvPr id="5" name="Slide Number Placeholder 5">
+            <a:extLst>
+              <a:ext uri="{FF2B5EF4-FFF2-40B4-BE49-F238E27FC236}">
+                <a16:creationId xmlns:a16="http://schemas.microsoft.com/office/drawing/2014/main" id="{1E2770BD-E9AA-BF69-CB94-E24BD02EB973}"/>
+              </a:ext>
+            </a:extLst>
+          </p:cNvPr>
+          <p:cNvSpPr>
+            <a:spLocks noGrp="1"/>
+          </p:cNvSpPr>
+          <p:nvPr>
+            <p:ph type="sldNum" sz="quarter" idx="12"/>
+          </p:nvPr>
+        </p:nvSpPr>
+        <p:spPr>
+          <a:xfrm>
+            <a:off x="88330" y="6451838"/>
+            <a:ext cx="1114844" cy="406161"/>
+          </a:xfrm>
+        </p:spPr>
+        <p:txBody>
+          <a:bodyPr/>
+          <a:lstStyle/>
+          <a:p>
+            <a:pPr algn="l"/>
+            <a:r>
+              <a:rPr lang="en-AU" dirty="0"/>
+              <a:t>Slide# </a:t>
+            </a:r>
+            <a:fld id="{385A3FD6-5CAE-4969-9534-D6FE8E561A66}" type="slidenum">
+              <a:rPr lang="en-AU" smtClean="0"/>
+              <a:pPr algn="l"/>
+              <a:t>5</a:t>
+            </a:fld>
+            <a:endParaRPr lang="en-AU" dirty="0"/>
+          </a:p>
+        </p:txBody>
+      </p:sp>
+      <p:sp>
+        <p:nvSpPr>
+          <p:cNvPr id="6" name="TextBox 5">
+            <a:extLst>
+              <a:ext uri="{FF2B5EF4-FFF2-40B4-BE49-F238E27FC236}">
+                <a16:creationId xmlns:a16="http://schemas.microsoft.com/office/drawing/2014/main" id="{5EF1E827-9DB0-4FC3-C6A9-C69DEDA69E20}"/>
+              </a:ext>
+            </a:extLst>
+          </p:cNvPr>
+          <p:cNvSpPr txBox="1"/>
+          <p:nvPr/>
+        </p:nvSpPr>
+        <p:spPr>
+          <a:xfrm>
+            <a:off x="2176209" y="11044"/>
+            <a:ext cx="7839581" cy="507639"/>
+          </a:xfrm>
+          <a:prstGeom prst="rect">
+            <a:avLst/>
+          </a:prstGeom>
+          <a:noFill/>
+        </p:spPr>
+        <p:txBody>
+          <a:bodyPr wrap="square" rtlCol="0">
+            <a:spAutoFit/>
+          </a:bodyPr>
+          <a:lstStyle/>
+          <a:p>
+            <a:pPr algn="ctr">
+              <a:lnSpc>
+                <a:spcPct val="200000"/>
+              </a:lnSpc>
+            </a:pPr>
+            <a:r>
+              <a:rPr lang="en-US" sz="1600" b="1" cap="small" dirty="0">
+                <a:solidFill>
+                  <a:schemeClr val="tx1">
+                    <a:lumMod val="50000"/>
+                    <a:lumOff val="50000"/>
+                  </a:schemeClr>
+                </a:solidFill>
+                <a:latin typeface="Oxygen" panose="02000503000000000000" pitchFamily="2" charset="0"/>
+              </a:rPr>
+              <a:t>A Brave New World</a:t>
+            </a:r>
+          </a:p>
+        </p:txBody>
+      </p:sp>
+      <p:sp>
+        <p:nvSpPr>
+          <p:cNvPr id="7" name="Footer Placeholder 3">
+            <a:extLst>
+              <a:ext uri="{FF2B5EF4-FFF2-40B4-BE49-F238E27FC236}">
+                <a16:creationId xmlns:a16="http://schemas.microsoft.com/office/drawing/2014/main" id="{9F40063D-4360-D642-6E62-8B388E627A8D}"/>
+              </a:ext>
+            </a:extLst>
+          </p:cNvPr>
+          <p:cNvSpPr>
+            <a:spLocks noGrp="1"/>
+          </p:cNvSpPr>
+          <p:nvPr>
+            <p:ph type="ftr" sz="quarter" idx="11"/>
+          </p:nvPr>
+        </p:nvSpPr>
+        <p:spPr>
+          <a:xfrm>
+            <a:off x="4480020" y="6550292"/>
+            <a:ext cx="3343275" cy="296664"/>
+          </a:xfrm>
+        </p:spPr>
+        <p:txBody>
+          <a:bodyPr/>
+          <a:lstStyle/>
+          <a:p>
+            <a:r>
+              <a:rPr lang="en-US" sz="813" b="1" dirty="0">
+                <a:latin typeface="Oxygen" panose="02000503000000000000" pitchFamily="2" charset="0"/>
+              </a:rPr>
+              <a:t>nodiam – Private &amp; Confidential – 2023 © </a:t>
+            </a:r>
+            <a:endParaRPr lang="en-AU" sz="813" b="1" dirty="0">
+              <a:latin typeface="Oxygen" panose="02000503000000000000" pitchFamily="2" charset="0"/>
+            </a:endParaRPr>
+          </a:p>
+        </p:txBody>
+      </p:sp>
+      <p:sp>
+        <p:nvSpPr>
+          <p:cNvPr id="8" name="Freeform 14">
+            <a:extLst>
+              <a:ext uri="{FF2B5EF4-FFF2-40B4-BE49-F238E27FC236}">
+                <a16:creationId xmlns:a16="http://schemas.microsoft.com/office/drawing/2014/main" id="{972E745A-0700-BC8F-0C5E-3913B6365BEF}"/>
+              </a:ext>
+            </a:extLst>
+          </p:cNvPr>
+          <p:cNvSpPr/>
+          <p:nvPr/>
+        </p:nvSpPr>
+        <p:spPr>
+          <a:xfrm>
+            <a:off x="5012965" y="6638947"/>
+            <a:ext cx="119353" cy="119353"/>
+          </a:xfrm>
+          <a:custGeom>
+            <a:avLst/>
+            <a:gdLst>
+              <a:gd name="connsiteX0" fmla="*/ 1080000 w 2160000"/>
+              <a:gd name="connsiteY0" fmla="*/ 0 h 2160000"/>
+              <a:gd name="connsiteX1" fmla="*/ 2154424 w 2160000"/>
+              <a:gd name="connsiteY1" fmla="*/ 969576 h 2160000"/>
+              <a:gd name="connsiteX2" fmla="*/ 2157027 w 2160000"/>
+              <a:gd name="connsiteY2" fmla="*/ 1021127 h 2160000"/>
+              <a:gd name="connsiteX3" fmla="*/ 2159999 w 2160000"/>
+              <a:gd name="connsiteY3" fmla="*/ 1021127 h 2160000"/>
+              <a:gd name="connsiteX4" fmla="*/ 2159999 w 2160000"/>
+              <a:gd name="connsiteY4" fmla="*/ 1079980 h 2160000"/>
+              <a:gd name="connsiteX5" fmla="*/ 2160000 w 2160000"/>
+              <a:gd name="connsiteY5" fmla="*/ 1080000 h 2160000"/>
+              <a:gd name="connsiteX6" fmla="*/ 2159999 w 2160000"/>
+              <a:gd name="connsiteY6" fmla="*/ 1080021 h 2160000"/>
+              <a:gd name="connsiteX7" fmla="*/ 2159999 w 2160000"/>
+              <a:gd name="connsiteY7" fmla="*/ 1716639 h 2160000"/>
+              <a:gd name="connsiteX8" fmla="*/ 2157838 w 2160000"/>
+              <a:gd name="connsiteY8" fmla="*/ 1716639 h 2160000"/>
+              <a:gd name="connsiteX9" fmla="*/ 2160000 w 2160000"/>
+              <a:gd name="connsiteY9" fmla="*/ 1738544 h 2160000"/>
+              <a:gd name="connsiteX10" fmla="*/ 1891921 w 2160000"/>
+              <a:gd name="connsiteY10" fmla="*/ 2012333 h 2160000"/>
+              <a:gd name="connsiteX11" fmla="*/ 1623842 w 2160000"/>
+              <a:gd name="connsiteY11" fmla="*/ 1738544 h 2160000"/>
+              <a:gd name="connsiteX12" fmla="*/ 1626005 w 2160000"/>
+              <a:gd name="connsiteY12" fmla="*/ 1716639 h 2160000"/>
+              <a:gd name="connsiteX13" fmla="*/ 1620298 w 2160000"/>
+              <a:gd name="connsiteY13" fmla="*/ 1716639 h 2160000"/>
+              <a:gd name="connsiteX14" fmla="*/ 1620298 w 2160000"/>
+              <a:gd name="connsiteY14" fmla="*/ 1090950 h 2160000"/>
+              <a:gd name="connsiteX15" fmla="*/ 1618898 w 2160000"/>
+              <a:gd name="connsiteY15" fmla="*/ 1090937 h 2160000"/>
+              <a:gd name="connsiteX16" fmla="*/ 1620000 w 2160000"/>
+              <a:gd name="connsiteY16" fmla="*/ 1080000 h 2160000"/>
+              <a:gd name="connsiteX17" fmla="*/ 1080000 w 2160000"/>
+              <a:gd name="connsiteY17" fmla="*/ 540000 h 2160000"/>
+              <a:gd name="connsiteX18" fmla="*/ 540000 w 2160000"/>
+              <a:gd name="connsiteY18" fmla="*/ 1080000 h 2160000"/>
+              <a:gd name="connsiteX19" fmla="*/ 1080000 w 2160000"/>
+              <a:gd name="connsiteY19" fmla="*/ 1620000 h 2160000"/>
+              <a:gd name="connsiteX20" fmla="*/ 1172144 w 2160000"/>
+              <a:gd name="connsiteY20" fmla="*/ 1610711 h 2160000"/>
+              <a:gd name="connsiteX21" fmla="*/ 1192722 w 2160000"/>
+              <a:gd name="connsiteY21" fmla="*/ 1599542 h 2160000"/>
+              <a:gd name="connsiteX22" fmla="*/ 1205334 w 2160000"/>
+              <a:gd name="connsiteY22" fmla="*/ 1595627 h 2160000"/>
+              <a:gd name="connsiteX23" fmla="*/ 1218649 w 2160000"/>
+              <a:gd name="connsiteY23" fmla="*/ 1594482 h 2160000"/>
+              <a:gd name="connsiteX24" fmla="*/ 1273176 w 2160000"/>
+              <a:gd name="connsiteY24" fmla="*/ 1581875 h 2160000"/>
+              <a:gd name="connsiteX25" fmla="*/ 1277433 w 2160000"/>
+              <a:gd name="connsiteY25" fmla="*/ 1580379 h 2160000"/>
+              <a:gd name="connsiteX26" fmla="*/ 1297818 w 2160000"/>
+              <a:gd name="connsiteY26" fmla="*/ 1578324 h 2160000"/>
+              <a:gd name="connsiteX27" fmla="*/ 1567818 w 2160000"/>
+              <a:gd name="connsiteY27" fmla="*/ 1848324 h 2160000"/>
+              <a:gd name="connsiteX28" fmla="*/ 1469563 w 2160000"/>
+              <a:gd name="connsiteY28" fmla="*/ 2056669 h 2160000"/>
+              <a:gd name="connsiteX29" fmla="*/ 1412948 w 2160000"/>
+              <a:gd name="connsiteY29" fmla="*/ 2091019 h 2160000"/>
+              <a:gd name="connsiteX30" fmla="*/ 1398272 w 2160000"/>
+              <a:gd name="connsiteY30" fmla="*/ 2101498 h 2160000"/>
+              <a:gd name="connsiteX31" fmla="*/ 1374464 w 2160000"/>
+              <a:gd name="connsiteY31" fmla="*/ 2110955 h 2160000"/>
+              <a:gd name="connsiteX32" fmla="*/ 1376211 w 2160000"/>
+              <a:gd name="connsiteY32" fmla="*/ 2117860 h 2160000"/>
+              <a:gd name="connsiteX33" fmla="*/ 1321962 w 2160000"/>
+              <a:gd name="connsiteY33" fmla="*/ 2131809 h 2160000"/>
+              <a:gd name="connsiteX34" fmla="*/ 1306247 w 2160000"/>
+              <a:gd name="connsiteY34" fmla="*/ 2138051 h 2160000"/>
+              <a:gd name="connsiteX35" fmla="*/ 1267530 w 2160000"/>
+              <a:gd name="connsiteY35" fmla="*/ 2142656 h 2160000"/>
+              <a:gd name="connsiteX36" fmla="*/ 1190424 w 2160000"/>
+              <a:gd name="connsiteY36" fmla="*/ 2154424 h 2160000"/>
+              <a:gd name="connsiteX37" fmla="*/ 1080000 w 2160000"/>
+              <a:gd name="connsiteY37" fmla="*/ 2160000 h 2160000"/>
+              <a:gd name="connsiteX38" fmla="*/ 0 w 2160000"/>
+              <a:gd name="connsiteY38" fmla="*/ 1080000 h 2160000"/>
+              <a:gd name="connsiteX39" fmla="*/ 1080000 w 2160000"/>
+              <a:gd name="connsiteY39" fmla="*/ 0 h 2160000"/>
+            </a:gdLst>
+            <a:ahLst/>
+            <a:cxnLst>
+              <a:cxn ang="0">
+                <a:pos x="connsiteX0" y="connsiteY0"/>
+              </a:cxn>
+              <a:cxn ang="0">
+                <a:pos x="connsiteX1" y="connsiteY1"/>
+              </a:cxn>
+              <a:cxn ang="0">
+                <a:pos x="connsiteX2" y="connsiteY2"/>
+              </a:cxn>
+              <a:cxn ang="0">
+                <a:pos x="connsiteX3" y="connsiteY3"/>
+              </a:cxn>
+              <a:cxn ang="0">
+                <a:pos x="connsiteX4" y="connsiteY4"/>
+              </a:cxn>
+              <a:cxn ang="0">
+                <a:pos x="connsiteX5" y="connsiteY5"/>
+              </a:cxn>
+              <a:cxn ang="0">
+                <a:pos x="connsiteX6" y="connsiteY6"/>
+              </a:cxn>
+              <a:cxn ang="0">
+                <a:pos x="connsiteX7" y="connsiteY7"/>
+              </a:cxn>
+              <a:cxn ang="0">
+                <a:pos x="connsiteX8" y="connsiteY8"/>
+              </a:cxn>
+              <a:cxn ang="0">
+                <a:pos x="connsiteX9" y="connsiteY9"/>
+              </a:cxn>
+              <a:cxn ang="0">
+                <a:pos x="connsiteX10" y="connsiteY10"/>
+              </a:cxn>
+              <a:cxn ang="0">
+                <a:pos x="connsiteX11" y="connsiteY11"/>
+              </a:cxn>
+              <a:cxn ang="0">
+                <a:pos x="connsiteX12" y="connsiteY12"/>
+              </a:cxn>
+              <a:cxn ang="0">
+                <a:pos x="connsiteX13" y="connsiteY13"/>
+              </a:cxn>
+              <a:cxn ang="0">
+                <a:pos x="connsiteX14" y="connsiteY14"/>
+              </a:cxn>
+              <a:cxn ang="0">
+                <a:pos x="connsiteX15" y="connsiteY15"/>
+              </a:cxn>
+              <a:cxn ang="0">
+                <a:pos x="connsiteX16" y="connsiteY16"/>
+              </a:cxn>
+              <a:cxn ang="0">
+                <a:pos x="connsiteX17" y="connsiteY17"/>
+              </a:cxn>
+              <a:cxn ang="0">
+                <a:pos x="connsiteX18" y="connsiteY18"/>
+              </a:cxn>
+              <a:cxn ang="0">
+                <a:pos x="connsiteX19" y="connsiteY19"/>
+              </a:cxn>
+              <a:cxn ang="0">
+                <a:pos x="connsiteX20" y="connsiteY20"/>
+              </a:cxn>
+              <a:cxn ang="0">
+                <a:pos x="connsiteX21" y="connsiteY21"/>
+              </a:cxn>
+              <a:cxn ang="0">
+                <a:pos x="connsiteX22" y="connsiteY22"/>
+              </a:cxn>
+              <a:cxn ang="0">
+                <a:pos x="connsiteX23" y="connsiteY23"/>
+              </a:cxn>
+              <a:cxn ang="0">
+                <a:pos x="connsiteX24" y="connsiteY24"/>
+              </a:cxn>
+              <a:cxn ang="0">
+                <a:pos x="connsiteX25" y="connsiteY25"/>
+              </a:cxn>
+              <a:cxn ang="0">
+                <a:pos x="connsiteX26" y="connsiteY26"/>
+              </a:cxn>
+              <a:cxn ang="0">
+                <a:pos x="connsiteX27" y="connsiteY27"/>
+              </a:cxn>
+              <a:cxn ang="0">
+                <a:pos x="connsiteX28" y="connsiteY28"/>
+              </a:cxn>
+              <a:cxn ang="0">
+                <a:pos x="connsiteX29" y="connsiteY29"/>
+              </a:cxn>
+              <a:cxn ang="0">
+                <a:pos x="connsiteX30" y="connsiteY30"/>
+              </a:cxn>
+              <a:cxn ang="0">
+                <a:pos x="connsiteX31" y="connsiteY31"/>
+              </a:cxn>
+              <a:cxn ang="0">
+                <a:pos x="connsiteX32" y="connsiteY32"/>
+              </a:cxn>
+              <a:cxn ang="0">
+                <a:pos x="connsiteX33" y="connsiteY33"/>
+              </a:cxn>
+              <a:cxn ang="0">
+                <a:pos x="connsiteX34" y="connsiteY34"/>
+              </a:cxn>
+              <a:cxn ang="0">
+                <a:pos x="connsiteX35" y="connsiteY35"/>
+              </a:cxn>
+              <a:cxn ang="0">
+                <a:pos x="connsiteX36" y="connsiteY36"/>
+              </a:cxn>
+              <a:cxn ang="0">
+                <a:pos x="connsiteX37" y="connsiteY37"/>
+              </a:cxn>
+              <a:cxn ang="0">
+                <a:pos x="connsiteX38" y="connsiteY38"/>
+              </a:cxn>
+              <a:cxn ang="0">
+                <a:pos x="connsiteX39" y="connsiteY39"/>
+              </a:cxn>
+            </a:cxnLst>
+            <a:rect l="l" t="t" r="r" b="b"/>
+            <a:pathLst>
+              <a:path w="2160000" h="2160000">
+                <a:moveTo>
+                  <a:pt x="1080000" y="0"/>
+                </a:moveTo>
+                <a:cubicBezTo>
+                  <a:pt x="1639189" y="0"/>
+                  <a:pt x="2099117" y="424979"/>
+                  <a:pt x="2154424" y="969576"/>
+                </a:cubicBezTo>
+                <a:lnTo>
+                  <a:pt x="2157027" y="1021127"/>
+                </a:lnTo>
+                <a:lnTo>
+                  <a:pt x="2159999" y="1021127"/>
+                </a:lnTo>
+                <a:lnTo>
+                  <a:pt x="2159999" y="1079980"/>
+                </a:lnTo>
+                <a:lnTo>
+                  <a:pt x="2160000" y="1080000"/>
+                </a:lnTo>
+                <a:lnTo>
+                  <a:pt x="2159999" y="1080021"/>
+                </a:lnTo>
+                <a:lnTo>
+                  <a:pt x="2159999" y="1716639"/>
+                </a:lnTo>
+                <a:lnTo>
+                  <a:pt x="2157838" y="1716639"/>
+                </a:lnTo>
+                <a:lnTo>
+                  <a:pt x="2160000" y="1738544"/>
+                </a:lnTo>
+                <a:cubicBezTo>
+                  <a:pt x="2160000" y="1889753"/>
+                  <a:pt x="2039977" y="2012333"/>
+                  <a:pt x="1891921" y="2012333"/>
+                </a:cubicBezTo>
+                <a:cubicBezTo>
+                  <a:pt x="1743865" y="2012333"/>
+                  <a:pt x="1623842" y="1889753"/>
+                  <a:pt x="1623842" y="1738544"/>
+                </a:cubicBezTo>
+                <a:lnTo>
+                  <a:pt x="1626005" y="1716639"/>
+                </a:lnTo>
+                <a:lnTo>
+                  <a:pt x="1620298" y="1716639"/>
+                </a:lnTo>
+                <a:lnTo>
+                  <a:pt x="1620298" y="1090950"/>
+                </a:lnTo>
+                <a:lnTo>
+                  <a:pt x="1618898" y="1090937"/>
+                </a:lnTo>
+                <a:lnTo>
+                  <a:pt x="1620000" y="1080000"/>
+                </a:lnTo>
+                <a:cubicBezTo>
+                  <a:pt x="1620000" y="781766"/>
+                  <a:pt x="1378234" y="540000"/>
+                  <a:pt x="1080000" y="540000"/>
+                </a:cubicBezTo>
+                <a:cubicBezTo>
+                  <a:pt x="781766" y="540000"/>
+                  <a:pt x="540000" y="781766"/>
+                  <a:pt x="540000" y="1080000"/>
+                </a:cubicBezTo>
+                <a:cubicBezTo>
+                  <a:pt x="540000" y="1378234"/>
+                  <a:pt x="781766" y="1620000"/>
+                  <a:pt x="1080000" y="1620000"/>
+                </a:cubicBezTo>
+                <a:lnTo>
+                  <a:pt x="1172144" y="1610711"/>
+                </a:lnTo>
+                <a:lnTo>
+                  <a:pt x="1192722" y="1599542"/>
+                </a:lnTo>
+                <a:lnTo>
+                  <a:pt x="1205334" y="1595627"/>
+                </a:lnTo>
+                <a:lnTo>
+                  <a:pt x="1218649" y="1594482"/>
+                </a:lnTo>
+                <a:cubicBezTo>
+                  <a:pt x="1237851" y="1591023"/>
+                  <a:pt x="1256099" y="1586790"/>
+                  <a:pt x="1273176" y="1581875"/>
+                </a:cubicBezTo>
+                <a:lnTo>
+                  <a:pt x="1277433" y="1580379"/>
+                </a:lnTo>
+                <a:lnTo>
+                  <a:pt x="1297818" y="1578324"/>
+                </a:lnTo>
+                <a:cubicBezTo>
+                  <a:pt x="1446935" y="1578324"/>
+                  <a:pt x="1567818" y="1699207"/>
+                  <a:pt x="1567818" y="1848324"/>
+                </a:cubicBezTo>
+                <a:cubicBezTo>
+                  <a:pt x="1567818" y="1932202"/>
+                  <a:pt x="1529570" y="2007147"/>
+                  <a:pt x="1469563" y="2056669"/>
+                </a:cubicBezTo>
+                <a:lnTo>
+                  <a:pt x="1412948" y="2091019"/>
+                </a:lnTo>
+                <a:lnTo>
+                  <a:pt x="1398272" y="2101498"/>
+                </a:lnTo>
+                <a:lnTo>
+                  <a:pt x="1374464" y="2110955"/>
+                </a:lnTo>
+                <a:lnTo>
+                  <a:pt x="1376211" y="2117860"/>
+                </a:lnTo>
+                <a:lnTo>
+                  <a:pt x="1321962" y="2131809"/>
+                </a:lnTo>
+                <a:lnTo>
+                  <a:pt x="1306247" y="2138051"/>
+                </a:lnTo>
+                <a:lnTo>
+                  <a:pt x="1267530" y="2142656"/>
+                </a:lnTo>
+                <a:lnTo>
+                  <a:pt x="1190424" y="2154424"/>
+                </a:lnTo>
+                <a:cubicBezTo>
+                  <a:pt x="1154118" y="2158111"/>
+                  <a:pt x="1117280" y="2160000"/>
+                  <a:pt x="1080000" y="2160000"/>
+                </a:cubicBezTo>
+                <a:cubicBezTo>
+                  <a:pt x="483532" y="2160000"/>
+                  <a:pt x="0" y="1676468"/>
+                  <a:pt x="0" y="1080000"/>
+                </a:cubicBezTo>
+                <a:cubicBezTo>
+                  <a:pt x="0" y="483532"/>
+                  <a:pt x="483532" y="0"/>
+                  <a:pt x="1080000" y="0"/>
+                </a:cubicBezTo>
+                <a:close/>
+              </a:path>
+            </a:pathLst>
+          </a:custGeom>
+          <a:solidFill>
+            <a:schemeClr val="tx1">
+              <a:lumMod val="50000"/>
+              <a:lumOff val="50000"/>
+            </a:schemeClr>
+          </a:solidFill>
+          <a:ln>
+            <a:noFill/>
+          </a:ln>
+        </p:spPr>
+        <p:style>
+          <a:lnRef idx="2">
+            <a:schemeClr val="accent1">
+              <a:shade val="50000"/>
+            </a:schemeClr>
+          </a:lnRef>
+          <a:fillRef idx="1">
+            <a:schemeClr val="accent1"/>
+          </a:fillRef>
+          <a:effectRef idx="0">
+            <a:schemeClr val="accent1"/>
+          </a:effectRef>
+          <a:fontRef idx="minor">
+            <a:schemeClr val="lt1"/>
+          </a:fontRef>
+        </p:style>
+        <p:txBody>
+          <a:bodyPr rtlCol="0" anchor="ctr"/>
+          <a:lstStyle/>
+          <a:p>
+            <a:pPr algn="ctr"/>
+            <a:endParaRPr lang="en-AU">
+              <a:latin typeface="Oxygen" panose="02000503000000000000" pitchFamily="2" charset="0"/>
+            </a:endParaRPr>
+          </a:p>
+        </p:txBody>
+      </p:sp>
+    </p:spTree>
+    <p:extLst>
+      <p:ext uri="{BB962C8B-B14F-4D97-AF65-F5344CB8AC3E}">
+        <p14:creationId xmlns:p14="http://schemas.microsoft.com/office/powerpoint/2010/main" val="595912033"/>
       </p:ext>
     </p:extLst>
   </p:cSld>
